--- a/miniPCB/ENGDOC/About the Project/2023/Home Automation Systems.pptx
+++ b/miniPCB/ENGDOC/About the Project/2023/Home Automation Systems.pptx
@@ -3332,100 +3332,6 @@
       </p:grpSpPr>
       <p:sp>
         <p:nvSpPr>
-          <p:cNvPr id="101" name="Rectangle 100">
-            <a:extLst>
-              <a:ext uri="{FF2B5EF4-FFF2-40B4-BE49-F238E27FC236}">
-                <a16:creationId xmlns:a16="http://schemas.microsoft.com/office/drawing/2014/main" id="{7189C68E-6FEA-9D2F-7E6B-0B55C108CE81}"/>
-              </a:ext>
-            </a:extLst>
-          </p:cNvPr>
-          <p:cNvSpPr/>
-          <p:nvPr/>
-        </p:nvSpPr>
-        <p:spPr>
-          <a:xfrm>
-            <a:off x="393540" y="2584504"/>
-            <a:ext cx="10064998" cy="6770878"/>
-          </a:xfrm>
-          <a:prstGeom prst="rect">
-            <a:avLst/>
-          </a:prstGeom>
-          <a:solidFill>
-            <a:schemeClr val="accent6">
-              <a:lumMod val="20000"/>
-              <a:lumOff val="80000"/>
-            </a:schemeClr>
-          </a:solidFill>
-        </p:spPr>
-        <p:style>
-          <a:lnRef idx="2">
-            <a:schemeClr val="accent6"/>
-          </a:lnRef>
-          <a:fillRef idx="1">
-            <a:schemeClr val="lt1"/>
-          </a:fillRef>
-          <a:effectRef idx="0">
-            <a:schemeClr val="accent6"/>
-          </a:effectRef>
-          <a:fontRef idx="minor">
-            <a:schemeClr val="dk1"/>
-          </a:fontRef>
-        </p:style>
-        <p:txBody>
-          <a:bodyPr rtlCol="0" anchor="ctr"/>
-          <a:lstStyle/>
-          <a:p>
-            <a:pPr algn="ctr"/>
-            <a:endParaRPr lang="en-US" dirty="0"/>
-          </a:p>
-        </p:txBody>
-      </p:sp>
-      <p:sp>
-        <p:nvSpPr>
-          <p:cNvPr id="52" name="Rectangle 51">
-            <a:extLst>
-              <a:ext uri="{FF2B5EF4-FFF2-40B4-BE49-F238E27FC236}">
-                <a16:creationId xmlns:a16="http://schemas.microsoft.com/office/drawing/2014/main" id="{24BDC051-0BD8-BF6F-0E18-9DFF955313F0}"/>
-              </a:ext>
-            </a:extLst>
-          </p:cNvPr>
-          <p:cNvSpPr/>
-          <p:nvPr/>
-        </p:nvSpPr>
-        <p:spPr>
-          <a:xfrm>
-            <a:off x="393540" y="936778"/>
-            <a:ext cx="14777838" cy="1524934"/>
-          </a:xfrm>
-          <a:prstGeom prst="rect">
-            <a:avLst/>
-          </a:prstGeom>
-        </p:spPr>
-        <p:style>
-          <a:lnRef idx="2">
-            <a:schemeClr val="accent1"/>
-          </a:lnRef>
-          <a:fillRef idx="1">
-            <a:schemeClr val="lt1"/>
-          </a:fillRef>
-          <a:effectRef idx="0">
-            <a:schemeClr val="accent1"/>
-          </a:effectRef>
-          <a:fontRef idx="minor">
-            <a:schemeClr val="dk1"/>
-          </a:fontRef>
-        </p:style>
-        <p:txBody>
-          <a:bodyPr rtlCol="0" anchor="t"/>
-          <a:lstStyle/>
-          <a:p>
-            <a:pPr algn="ctr"/>
-            <a:endParaRPr lang="en-US" dirty="0"/>
-          </a:p>
-        </p:txBody>
-      </p:sp>
-      <p:sp>
-        <p:nvSpPr>
           <p:cNvPr id="4" name="Rectangle 3">
             <a:extLst>
               <a:ext uri="{FF2B5EF4-FFF2-40B4-BE49-F238E27FC236}">
@@ -3565,7 +3471,7 @@
         <p:spPr>
           <a:xfrm>
             <a:off x="11658600" y="8915400"/>
-            <a:ext cx="3060197" cy="923330"/>
+            <a:ext cx="3657600" cy="923330"/>
           </a:xfrm>
           <a:prstGeom prst="rect">
             <a:avLst/>
@@ -3573,14 +3479,14 @@
           <a:noFill/>
         </p:spPr>
         <p:txBody>
-          <a:bodyPr wrap="none" rtlCol="0">
+          <a:bodyPr wrap="square" rtlCol="0">
             <a:spAutoFit/>
           </a:bodyPr>
           <a:lstStyle/>
           <a:p>
             <a:r>
               <a:rPr lang="en-US" sz="1800" dirty="0"/>
-              <a:t>BLOCK DIAGRAM</a:t>
+              <a:t>EXAMPLE OF NESTED SYSTEMS</a:t>
             </a:r>
             <a:br>
               <a:rPr lang="en-US" sz="1800" dirty="0"/>
@@ -3643,110 +3549,12 @@
           </a:p>
         </p:txBody>
       </p:sp>
-      <p:sp>
-        <p:nvSpPr>
-          <p:cNvPr id="53" name="TextBox 52">
+      <p:grpSp>
+        <p:nvGrpSpPr>
+          <p:cNvPr id="11" name="Group 10">
             <a:extLst>
               <a:ext uri="{FF2B5EF4-FFF2-40B4-BE49-F238E27FC236}">
-                <a16:creationId xmlns:a16="http://schemas.microsoft.com/office/drawing/2014/main" id="{B404AB1F-23E9-5E19-1260-3F562565676F}"/>
-              </a:ext>
-            </a:extLst>
-          </p:cNvPr>
-          <p:cNvSpPr txBox="1"/>
-          <p:nvPr/>
-        </p:nvSpPr>
-        <p:spPr>
-          <a:xfrm>
-            <a:off x="5988627" y="703018"/>
-            <a:ext cx="3958135" cy="464614"/>
-          </a:xfrm>
-          <a:prstGeom prst="rect">
-            <a:avLst/>
-          </a:prstGeom>
-        </p:spPr>
-        <p:style>
-          <a:lnRef idx="2">
-            <a:schemeClr val="accent1"/>
-          </a:lnRef>
-          <a:fillRef idx="1">
-            <a:schemeClr val="lt1"/>
-          </a:fillRef>
-          <a:effectRef idx="0">
-            <a:schemeClr val="accent1"/>
-          </a:effectRef>
-          <a:fontRef idx="minor">
-            <a:schemeClr val="dk1"/>
-          </a:fontRef>
-        </p:style>
-        <p:txBody>
-          <a:bodyPr wrap="none" rtlCol="0">
-            <a:spAutoFit/>
-          </a:bodyPr>
-          <a:lstStyle/>
-          <a:p>
-            <a:pPr algn="ctr"/>
-            <a:r>
-              <a:rPr lang="en-US" b="1" dirty="0"/>
-              <a:t>TRUSTED INTERFACE DEVICES</a:t>
-            </a:r>
-          </a:p>
-        </p:txBody>
-      </p:sp>
-      <p:sp>
-        <p:nvSpPr>
-          <p:cNvPr id="2" name="Rectangle 1">
-            <a:extLst>
-              <a:ext uri="{FF2B5EF4-FFF2-40B4-BE49-F238E27FC236}">
-                <a16:creationId xmlns:a16="http://schemas.microsoft.com/office/drawing/2014/main" id="{18E7B5DA-2B4D-FDC2-A3CE-1DBB4D0C9C8F}"/>
-              </a:ext>
-            </a:extLst>
-          </p:cNvPr>
-          <p:cNvSpPr/>
-          <p:nvPr/>
-        </p:nvSpPr>
-        <p:spPr>
-          <a:xfrm>
-            <a:off x="573660" y="3166054"/>
-            <a:ext cx="9704758" cy="718614"/>
-          </a:xfrm>
-          <a:prstGeom prst="rect">
-            <a:avLst/>
-          </a:prstGeom>
-        </p:spPr>
-        <p:style>
-          <a:lnRef idx="2">
-            <a:schemeClr val="accent1">
-              <a:shade val="15000"/>
-            </a:schemeClr>
-          </a:lnRef>
-          <a:fillRef idx="1">
-            <a:schemeClr val="accent1"/>
-          </a:fillRef>
-          <a:effectRef idx="0">
-            <a:schemeClr val="accent1"/>
-          </a:effectRef>
-          <a:fontRef idx="minor">
-            <a:schemeClr val="lt1"/>
-          </a:fontRef>
-        </p:style>
-        <p:txBody>
-          <a:bodyPr rtlCol="0" anchor="ctr"/>
-          <a:lstStyle/>
-          <a:p>
-            <a:pPr algn="ctr"/>
-            <a:r>
-              <a:rPr lang="en-US" dirty="0"/>
-              <a:t>CONTROLLER</a:t>
-            </a:r>
-          </a:p>
-        </p:txBody>
-      </p:sp>
-      <p:grpSp>
-        <p:nvGrpSpPr>
-          <p:cNvPr id="112" name="Group 111">
-            <a:extLst>
-              <a:ext uri="{FF2B5EF4-FFF2-40B4-BE49-F238E27FC236}">
-                <a16:creationId xmlns:a16="http://schemas.microsoft.com/office/drawing/2014/main" id="{CB6105F8-2A83-C319-AEF6-5B251C88616E}"/>
+                <a16:creationId xmlns:a16="http://schemas.microsoft.com/office/drawing/2014/main" id="{2E33D9ED-5A55-88E4-6EF3-73418CC21F4B}"/>
               </a:ext>
             </a:extLst>
           </p:cNvPr>
@@ -3755,18 +3563,18 @@
         </p:nvGrpSpPr>
         <p:grpSpPr>
           <a:xfrm>
-            <a:off x="573660" y="4035378"/>
-            <a:ext cx="1810450" cy="2585536"/>
-            <a:chOff x="794270" y="4564586"/>
-            <a:chExt cx="1810450" cy="2585536"/>
+            <a:off x="10816848" y="2584504"/>
+            <a:ext cx="4354529" cy="4215136"/>
+            <a:chOff x="10816848" y="2584504"/>
+            <a:chExt cx="4354529" cy="4215136"/>
           </a:xfrm>
         </p:grpSpPr>
         <p:sp>
           <p:nvSpPr>
-            <p:cNvPr id="54" name="Rectangle 53">
+            <p:cNvPr id="105" name="Rectangle 104">
               <a:extLst>
                 <a:ext uri="{FF2B5EF4-FFF2-40B4-BE49-F238E27FC236}">
-                  <a16:creationId xmlns:a16="http://schemas.microsoft.com/office/drawing/2014/main" id="{70D76338-6A40-8255-447F-CB3E7FCDAEAB}"/>
+                  <a16:creationId xmlns:a16="http://schemas.microsoft.com/office/drawing/2014/main" id="{8B6A1F89-7CE4-AF5B-4411-4F9719A2E20E}"/>
                 </a:ext>
               </a:extLst>
             </p:cNvPr>
@@ -3775,12 +3583,18 @@
           </p:nvSpPr>
           <p:spPr>
             <a:xfrm>
-              <a:off x="794270" y="4564586"/>
-              <a:ext cx="1810450" cy="2585536"/>
+              <a:off x="10816848" y="2584504"/>
+              <a:ext cx="4354529" cy="4215136"/>
             </a:xfrm>
             <a:prstGeom prst="rect">
               <a:avLst/>
             </a:prstGeom>
+            <a:solidFill>
+              <a:schemeClr val="accent6">
+                <a:lumMod val="20000"/>
+                <a:lumOff val="80000"/>
+              </a:schemeClr>
+            </a:solidFill>
           </p:spPr>
           <p:style>
             <a:lnRef idx="2">
@@ -3807,1632 +3621,6 @@
         </p:sp>
         <p:grpSp>
           <p:nvGrpSpPr>
-            <p:cNvPr id="55" name="Group 54">
-              <a:extLst>
-                <a:ext uri="{FF2B5EF4-FFF2-40B4-BE49-F238E27FC236}">
-                  <a16:creationId xmlns:a16="http://schemas.microsoft.com/office/drawing/2014/main" id="{39ABCA3A-7484-ED76-7E13-6CDEDA62FCC6}"/>
-                </a:ext>
-              </a:extLst>
-            </p:cNvPr>
-            <p:cNvGrpSpPr/>
-            <p:nvPr/>
-          </p:nvGrpSpPr>
-          <p:grpSpPr>
-            <a:xfrm>
-              <a:off x="957397" y="5056573"/>
-              <a:ext cx="1484196" cy="1956589"/>
-              <a:chOff x="2869084" y="5308011"/>
-              <a:chExt cx="1484196" cy="1956589"/>
-            </a:xfrm>
-          </p:grpSpPr>
-          <p:sp>
-            <p:nvSpPr>
-              <p:cNvPr id="12" name="Rectangle 11">
-                <a:extLst>
-                  <a:ext uri="{FF2B5EF4-FFF2-40B4-BE49-F238E27FC236}">
-                    <a16:creationId xmlns:a16="http://schemas.microsoft.com/office/drawing/2014/main" id="{891C120B-9EDB-2604-E063-58F22ED172F9}"/>
-                  </a:ext>
-                </a:extLst>
-              </p:cNvPr>
-              <p:cNvSpPr/>
-              <p:nvPr/>
-            </p:nvSpPr>
-            <p:spPr>
-              <a:xfrm>
-                <a:off x="2869085" y="5308011"/>
-                <a:ext cx="1484195" cy="718614"/>
-              </a:xfrm>
-              <a:prstGeom prst="rect">
-                <a:avLst/>
-              </a:prstGeom>
-            </p:spPr>
-            <p:style>
-              <a:lnRef idx="2">
-                <a:schemeClr val="accent1">
-                  <a:shade val="15000"/>
-                </a:schemeClr>
-              </a:lnRef>
-              <a:fillRef idx="1">
-                <a:schemeClr val="accent1"/>
-              </a:fillRef>
-              <a:effectRef idx="0">
-                <a:schemeClr val="accent1"/>
-              </a:effectRef>
-              <a:fontRef idx="minor">
-                <a:schemeClr val="lt1"/>
-              </a:fontRef>
-            </p:style>
-            <p:txBody>
-              <a:bodyPr rtlCol="0" anchor="ctr"/>
-              <a:lstStyle/>
-              <a:p>
-                <a:pPr algn="ctr"/>
-                <a:r>
-                  <a:rPr lang="en-US" sz="1000" dirty="0"/>
-                  <a:t>CONTROLLER</a:t>
-                </a:r>
-              </a:p>
-            </p:txBody>
-          </p:sp>
-          <p:sp>
-            <p:nvSpPr>
-              <p:cNvPr id="13" name="Rectangle 12">
-                <a:extLst>
-                  <a:ext uri="{FF2B5EF4-FFF2-40B4-BE49-F238E27FC236}">
-                    <a16:creationId xmlns:a16="http://schemas.microsoft.com/office/drawing/2014/main" id="{3B474ED8-4552-42B9-0391-045FB6DDA156}"/>
-                  </a:ext>
-                </a:extLst>
-              </p:cNvPr>
-              <p:cNvSpPr/>
-              <p:nvPr/>
-            </p:nvSpPr>
-            <p:spPr>
-              <a:xfrm>
-                <a:off x="3234163" y="6545986"/>
-                <a:ext cx="1119117" cy="718614"/>
-              </a:xfrm>
-              <a:prstGeom prst="rect">
-                <a:avLst/>
-              </a:prstGeom>
-            </p:spPr>
-            <p:style>
-              <a:lnRef idx="2">
-                <a:schemeClr val="accent1">
-                  <a:shade val="15000"/>
-                </a:schemeClr>
-              </a:lnRef>
-              <a:fillRef idx="1">
-                <a:schemeClr val="accent1"/>
-              </a:fillRef>
-              <a:effectRef idx="0">
-                <a:schemeClr val="accent1"/>
-              </a:effectRef>
-              <a:fontRef idx="minor">
-                <a:schemeClr val="lt1"/>
-              </a:fontRef>
-            </p:style>
-            <p:txBody>
-              <a:bodyPr rtlCol="0" anchor="b"/>
-              <a:lstStyle/>
-              <a:p>
-                <a:pPr algn="r"/>
-                <a:r>
-                  <a:rPr lang="en-US" sz="1000" dirty="0"/>
-                  <a:t>PROCESSING</a:t>
-                </a:r>
-              </a:p>
-            </p:txBody>
-          </p:sp>
-          <p:sp>
-            <p:nvSpPr>
-              <p:cNvPr id="14" name="Rectangle 13">
-                <a:extLst>
-                  <a:ext uri="{FF2B5EF4-FFF2-40B4-BE49-F238E27FC236}">
-                    <a16:creationId xmlns:a16="http://schemas.microsoft.com/office/drawing/2014/main" id="{036C40F3-CD90-005D-1846-C9B93CEBFBFA}"/>
-                  </a:ext>
-                </a:extLst>
-              </p:cNvPr>
-              <p:cNvSpPr/>
-              <p:nvPr/>
-            </p:nvSpPr>
-            <p:spPr>
-              <a:xfrm>
-                <a:off x="3046504" y="6328045"/>
-                <a:ext cx="1119117" cy="718614"/>
-              </a:xfrm>
-              <a:prstGeom prst="rect">
-                <a:avLst/>
-              </a:prstGeom>
-            </p:spPr>
-            <p:style>
-              <a:lnRef idx="2">
-                <a:schemeClr val="accent1">
-                  <a:shade val="15000"/>
-                </a:schemeClr>
-              </a:lnRef>
-              <a:fillRef idx="1">
-                <a:schemeClr val="accent1"/>
-              </a:fillRef>
-              <a:effectRef idx="0">
-                <a:schemeClr val="accent1"/>
-              </a:effectRef>
-              <a:fontRef idx="minor">
-                <a:schemeClr val="lt1"/>
-              </a:fontRef>
-            </p:style>
-            <p:txBody>
-              <a:bodyPr rtlCol="0" anchor="b"/>
-              <a:lstStyle/>
-              <a:p>
-                <a:pPr algn="r"/>
-                <a:r>
-                  <a:rPr lang="en-US" sz="1000" dirty="0"/>
-                  <a:t>OUTPUTS</a:t>
-                </a:r>
-              </a:p>
-            </p:txBody>
-          </p:sp>
-          <p:sp>
-            <p:nvSpPr>
-              <p:cNvPr id="15" name="Rectangle 14">
-                <a:extLst>
-                  <a:ext uri="{FF2B5EF4-FFF2-40B4-BE49-F238E27FC236}">
-                    <a16:creationId xmlns:a16="http://schemas.microsoft.com/office/drawing/2014/main" id="{BB6FC5E7-E2A0-5011-000B-5FA633F2238A}"/>
-                  </a:ext>
-                </a:extLst>
-              </p:cNvPr>
-              <p:cNvSpPr/>
-              <p:nvPr/>
-            </p:nvSpPr>
-            <p:spPr>
-              <a:xfrm>
-                <a:off x="2869084" y="6110104"/>
-                <a:ext cx="1119117" cy="718614"/>
-              </a:xfrm>
-              <a:prstGeom prst="rect">
-                <a:avLst/>
-              </a:prstGeom>
-            </p:spPr>
-            <p:style>
-              <a:lnRef idx="2">
-                <a:schemeClr val="accent1">
-                  <a:shade val="15000"/>
-                </a:schemeClr>
-              </a:lnRef>
-              <a:fillRef idx="1">
-                <a:schemeClr val="accent1"/>
-              </a:fillRef>
-              <a:effectRef idx="0">
-                <a:schemeClr val="accent1"/>
-              </a:effectRef>
-              <a:fontRef idx="minor">
-                <a:schemeClr val="lt1"/>
-              </a:fontRef>
-            </p:style>
-            <p:txBody>
-              <a:bodyPr rtlCol="0" anchor="b"/>
-              <a:lstStyle/>
-              <a:p>
-                <a:pPr algn="r"/>
-                <a:r>
-                  <a:rPr lang="en-US" sz="1000" dirty="0"/>
-                  <a:t>INPUTS</a:t>
-                </a:r>
-              </a:p>
-            </p:txBody>
-          </p:sp>
-        </p:grpSp>
-        <p:sp>
-          <p:nvSpPr>
-            <p:cNvPr id="56" name="TextBox 55">
-              <a:extLst>
-                <a:ext uri="{FF2B5EF4-FFF2-40B4-BE49-F238E27FC236}">
-                  <a16:creationId xmlns:a16="http://schemas.microsoft.com/office/drawing/2014/main" id="{CEFDF511-7D3A-9CB9-B8A1-CCED0BC22074}"/>
-                </a:ext>
-              </a:extLst>
-            </p:cNvPr>
-            <p:cNvSpPr txBox="1"/>
-            <p:nvPr/>
-          </p:nvSpPr>
-          <p:spPr>
-            <a:xfrm>
-              <a:off x="979916" y="4564586"/>
-              <a:ext cx="850939" cy="464614"/>
-            </a:xfrm>
-            <a:prstGeom prst="rect">
-              <a:avLst/>
-            </a:prstGeom>
-            <a:noFill/>
-          </p:spPr>
-          <p:txBody>
-            <a:bodyPr wrap="none" rtlCol="0">
-              <a:spAutoFit/>
-            </a:bodyPr>
-            <a:lstStyle/>
-            <a:p>
-              <a:r>
-                <a:rPr lang="en-US" dirty="0"/>
-                <a:t>YARD</a:t>
-              </a:r>
-            </a:p>
-          </p:txBody>
-        </p:sp>
-      </p:grpSp>
-      <p:grpSp>
-        <p:nvGrpSpPr>
-          <p:cNvPr id="153" name="Group 152">
-            <a:extLst>
-              <a:ext uri="{FF2B5EF4-FFF2-40B4-BE49-F238E27FC236}">
-                <a16:creationId xmlns:a16="http://schemas.microsoft.com/office/drawing/2014/main" id="{703EBE22-C474-B985-87B8-2B27AE9C9061}"/>
-              </a:ext>
-            </a:extLst>
-          </p:cNvPr>
-          <p:cNvGrpSpPr/>
-          <p:nvPr/>
-        </p:nvGrpSpPr>
-        <p:grpSpPr>
-          <a:xfrm>
-            <a:off x="2547237" y="4035378"/>
-            <a:ext cx="1810450" cy="2585536"/>
-            <a:chOff x="2767847" y="4035378"/>
-            <a:chExt cx="1810450" cy="2585536"/>
-          </a:xfrm>
-        </p:grpSpPr>
-        <p:sp>
-          <p:nvSpPr>
-            <p:cNvPr id="57" name="Rectangle 56">
-              <a:extLst>
-                <a:ext uri="{FF2B5EF4-FFF2-40B4-BE49-F238E27FC236}">
-                  <a16:creationId xmlns:a16="http://schemas.microsoft.com/office/drawing/2014/main" id="{38A48945-9AA8-ACC0-634F-7B90E3D4052B}"/>
-                </a:ext>
-              </a:extLst>
-            </p:cNvPr>
-            <p:cNvSpPr/>
-            <p:nvPr/>
-          </p:nvSpPr>
-          <p:spPr>
-            <a:xfrm>
-              <a:off x="2767847" y="4035378"/>
-              <a:ext cx="1810450" cy="2585536"/>
-            </a:xfrm>
-            <a:prstGeom prst="rect">
-              <a:avLst/>
-            </a:prstGeom>
-          </p:spPr>
-          <p:style>
-            <a:lnRef idx="2">
-              <a:schemeClr val="accent6"/>
-            </a:lnRef>
-            <a:fillRef idx="1">
-              <a:schemeClr val="lt1"/>
-            </a:fillRef>
-            <a:effectRef idx="0">
-              <a:schemeClr val="accent6"/>
-            </a:effectRef>
-            <a:fontRef idx="minor">
-              <a:schemeClr val="dk1"/>
-            </a:fontRef>
-          </p:style>
-          <p:txBody>
-            <a:bodyPr rtlCol="0" anchor="ctr"/>
-            <a:lstStyle/>
-            <a:p>
-              <a:pPr algn="ctr"/>
-              <a:endParaRPr lang="en-US" dirty="0"/>
-            </a:p>
-          </p:txBody>
-        </p:sp>
-        <p:grpSp>
-          <p:nvGrpSpPr>
-            <p:cNvPr id="58" name="Group 57">
-              <a:extLst>
-                <a:ext uri="{FF2B5EF4-FFF2-40B4-BE49-F238E27FC236}">
-                  <a16:creationId xmlns:a16="http://schemas.microsoft.com/office/drawing/2014/main" id="{5C196A6F-F4F0-2F89-F680-C054C05B8C64}"/>
-                </a:ext>
-              </a:extLst>
-            </p:cNvPr>
-            <p:cNvGrpSpPr/>
-            <p:nvPr/>
-          </p:nvGrpSpPr>
-          <p:grpSpPr>
-            <a:xfrm>
-              <a:off x="2930974" y="4527365"/>
-              <a:ext cx="1484196" cy="1956589"/>
-              <a:chOff x="2869084" y="5308011"/>
-              <a:chExt cx="1484196" cy="1956589"/>
-            </a:xfrm>
-          </p:grpSpPr>
-          <p:sp>
-            <p:nvSpPr>
-              <p:cNvPr id="59" name="Rectangle 58">
-                <a:extLst>
-                  <a:ext uri="{FF2B5EF4-FFF2-40B4-BE49-F238E27FC236}">
-                    <a16:creationId xmlns:a16="http://schemas.microsoft.com/office/drawing/2014/main" id="{62AA14D3-09C6-F571-2328-C24B50B20B9C}"/>
-                  </a:ext>
-                </a:extLst>
-              </p:cNvPr>
-              <p:cNvSpPr/>
-              <p:nvPr/>
-            </p:nvSpPr>
-            <p:spPr>
-              <a:xfrm>
-                <a:off x="2869085" y="5308011"/>
-                <a:ext cx="1484195" cy="718614"/>
-              </a:xfrm>
-              <a:prstGeom prst="rect">
-                <a:avLst/>
-              </a:prstGeom>
-            </p:spPr>
-            <p:style>
-              <a:lnRef idx="2">
-                <a:schemeClr val="accent1">
-                  <a:shade val="15000"/>
-                </a:schemeClr>
-              </a:lnRef>
-              <a:fillRef idx="1">
-                <a:schemeClr val="accent1"/>
-              </a:fillRef>
-              <a:effectRef idx="0">
-                <a:schemeClr val="accent1"/>
-              </a:effectRef>
-              <a:fontRef idx="minor">
-                <a:schemeClr val="lt1"/>
-              </a:fontRef>
-            </p:style>
-            <p:txBody>
-              <a:bodyPr rtlCol="0" anchor="ctr"/>
-              <a:lstStyle/>
-              <a:p>
-                <a:pPr algn="ctr"/>
-                <a:r>
-                  <a:rPr lang="en-US" sz="1000" dirty="0"/>
-                  <a:t>CONTROLLER</a:t>
-                </a:r>
-              </a:p>
-            </p:txBody>
-          </p:sp>
-          <p:sp>
-            <p:nvSpPr>
-              <p:cNvPr id="60" name="Rectangle 59">
-                <a:extLst>
-                  <a:ext uri="{FF2B5EF4-FFF2-40B4-BE49-F238E27FC236}">
-                    <a16:creationId xmlns:a16="http://schemas.microsoft.com/office/drawing/2014/main" id="{F6B17FA7-C5B4-77E1-15AB-D9C197CF874D}"/>
-                  </a:ext>
-                </a:extLst>
-              </p:cNvPr>
-              <p:cNvSpPr/>
-              <p:nvPr/>
-            </p:nvSpPr>
-            <p:spPr>
-              <a:xfrm>
-                <a:off x="3234163" y="6545986"/>
-                <a:ext cx="1119117" cy="718614"/>
-              </a:xfrm>
-              <a:prstGeom prst="rect">
-                <a:avLst/>
-              </a:prstGeom>
-            </p:spPr>
-            <p:style>
-              <a:lnRef idx="2">
-                <a:schemeClr val="accent1">
-                  <a:shade val="15000"/>
-                </a:schemeClr>
-              </a:lnRef>
-              <a:fillRef idx="1">
-                <a:schemeClr val="accent1"/>
-              </a:fillRef>
-              <a:effectRef idx="0">
-                <a:schemeClr val="accent1"/>
-              </a:effectRef>
-              <a:fontRef idx="minor">
-                <a:schemeClr val="lt1"/>
-              </a:fontRef>
-            </p:style>
-            <p:txBody>
-              <a:bodyPr rtlCol="0" anchor="b"/>
-              <a:lstStyle/>
-              <a:p>
-                <a:pPr algn="r"/>
-                <a:r>
-                  <a:rPr lang="en-US" sz="1000" dirty="0"/>
-                  <a:t>PROCESSING</a:t>
-                </a:r>
-              </a:p>
-            </p:txBody>
-          </p:sp>
-          <p:sp>
-            <p:nvSpPr>
-              <p:cNvPr id="61" name="Rectangle 60">
-                <a:extLst>
-                  <a:ext uri="{FF2B5EF4-FFF2-40B4-BE49-F238E27FC236}">
-                    <a16:creationId xmlns:a16="http://schemas.microsoft.com/office/drawing/2014/main" id="{827CE890-249A-0C74-9172-1C8C351546E1}"/>
-                  </a:ext>
-                </a:extLst>
-              </p:cNvPr>
-              <p:cNvSpPr/>
-              <p:nvPr/>
-            </p:nvSpPr>
-            <p:spPr>
-              <a:xfrm>
-                <a:off x="3046504" y="6328045"/>
-                <a:ext cx="1119117" cy="718614"/>
-              </a:xfrm>
-              <a:prstGeom prst="rect">
-                <a:avLst/>
-              </a:prstGeom>
-            </p:spPr>
-            <p:style>
-              <a:lnRef idx="2">
-                <a:schemeClr val="accent1">
-                  <a:shade val="15000"/>
-                </a:schemeClr>
-              </a:lnRef>
-              <a:fillRef idx="1">
-                <a:schemeClr val="accent1"/>
-              </a:fillRef>
-              <a:effectRef idx="0">
-                <a:schemeClr val="accent1"/>
-              </a:effectRef>
-              <a:fontRef idx="minor">
-                <a:schemeClr val="lt1"/>
-              </a:fontRef>
-            </p:style>
-            <p:txBody>
-              <a:bodyPr rtlCol="0" anchor="b"/>
-              <a:lstStyle/>
-              <a:p>
-                <a:pPr algn="r"/>
-                <a:r>
-                  <a:rPr lang="en-US" sz="1000" dirty="0"/>
-                  <a:t>OUTPUTS</a:t>
-                </a:r>
-              </a:p>
-            </p:txBody>
-          </p:sp>
-          <p:sp>
-            <p:nvSpPr>
-              <p:cNvPr id="62" name="Rectangle 61">
-                <a:extLst>
-                  <a:ext uri="{FF2B5EF4-FFF2-40B4-BE49-F238E27FC236}">
-                    <a16:creationId xmlns:a16="http://schemas.microsoft.com/office/drawing/2014/main" id="{EDB11460-55A9-560E-49AE-2A029812A0BA}"/>
-                  </a:ext>
-                </a:extLst>
-              </p:cNvPr>
-              <p:cNvSpPr/>
-              <p:nvPr/>
-            </p:nvSpPr>
-            <p:spPr>
-              <a:xfrm>
-                <a:off x="2869084" y="6110104"/>
-                <a:ext cx="1119117" cy="718614"/>
-              </a:xfrm>
-              <a:prstGeom prst="rect">
-                <a:avLst/>
-              </a:prstGeom>
-            </p:spPr>
-            <p:style>
-              <a:lnRef idx="2">
-                <a:schemeClr val="accent1">
-                  <a:shade val="15000"/>
-                </a:schemeClr>
-              </a:lnRef>
-              <a:fillRef idx="1">
-                <a:schemeClr val="accent1"/>
-              </a:fillRef>
-              <a:effectRef idx="0">
-                <a:schemeClr val="accent1"/>
-              </a:effectRef>
-              <a:fontRef idx="minor">
-                <a:schemeClr val="lt1"/>
-              </a:fontRef>
-            </p:style>
-            <p:txBody>
-              <a:bodyPr rtlCol="0" anchor="b"/>
-              <a:lstStyle/>
-              <a:p>
-                <a:pPr algn="r"/>
-                <a:r>
-                  <a:rPr lang="en-US" sz="1000" dirty="0"/>
-                  <a:t>INPUTS</a:t>
-                </a:r>
-              </a:p>
-            </p:txBody>
-          </p:sp>
-        </p:grpSp>
-        <p:sp>
-          <p:nvSpPr>
-            <p:cNvPr id="63" name="TextBox 62">
-              <a:extLst>
-                <a:ext uri="{FF2B5EF4-FFF2-40B4-BE49-F238E27FC236}">
-                  <a16:creationId xmlns:a16="http://schemas.microsoft.com/office/drawing/2014/main" id="{BEAB22E8-DF8B-FF7C-D8D0-A86B140B2490}"/>
-                </a:ext>
-              </a:extLst>
-            </p:cNvPr>
-            <p:cNvSpPr txBox="1"/>
-            <p:nvPr/>
-          </p:nvSpPr>
-          <p:spPr>
-            <a:xfrm>
-              <a:off x="2953493" y="4035378"/>
-              <a:ext cx="1269899" cy="464614"/>
-            </a:xfrm>
-            <a:prstGeom prst="rect">
-              <a:avLst/>
-            </a:prstGeom>
-            <a:noFill/>
-          </p:spPr>
-          <p:txBody>
-            <a:bodyPr wrap="none" rtlCol="0">
-              <a:spAutoFit/>
-            </a:bodyPr>
-            <a:lstStyle/>
-            <a:p>
-              <a:r>
-                <a:rPr lang="en-US" dirty="0"/>
-                <a:t>GARDEN</a:t>
-              </a:r>
-            </a:p>
-          </p:txBody>
-        </p:sp>
-      </p:grpSp>
-      <p:grpSp>
-        <p:nvGrpSpPr>
-          <p:cNvPr id="154" name="Group 153">
-            <a:extLst>
-              <a:ext uri="{FF2B5EF4-FFF2-40B4-BE49-F238E27FC236}">
-                <a16:creationId xmlns:a16="http://schemas.microsoft.com/office/drawing/2014/main" id="{AA1397C8-3E2A-5E21-A285-698E53FD48DC}"/>
-              </a:ext>
-            </a:extLst>
-          </p:cNvPr>
-          <p:cNvGrpSpPr/>
-          <p:nvPr/>
-        </p:nvGrpSpPr>
-        <p:grpSpPr>
-          <a:xfrm>
-            <a:off x="4520814" y="4035378"/>
-            <a:ext cx="1810450" cy="2585536"/>
-            <a:chOff x="4741424" y="4035378"/>
-            <a:chExt cx="1810450" cy="2585536"/>
-          </a:xfrm>
-        </p:grpSpPr>
-        <p:sp>
-          <p:nvSpPr>
-            <p:cNvPr id="64" name="Rectangle 63">
-              <a:extLst>
-                <a:ext uri="{FF2B5EF4-FFF2-40B4-BE49-F238E27FC236}">
-                  <a16:creationId xmlns:a16="http://schemas.microsoft.com/office/drawing/2014/main" id="{9CBBF5AF-BC0D-10D3-D507-D6C1FAF6192D}"/>
-                </a:ext>
-              </a:extLst>
-            </p:cNvPr>
-            <p:cNvSpPr/>
-            <p:nvPr/>
-          </p:nvSpPr>
-          <p:spPr>
-            <a:xfrm>
-              <a:off x="4741424" y="4035378"/>
-              <a:ext cx="1810450" cy="2585536"/>
-            </a:xfrm>
-            <a:prstGeom prst="rect">
-              <a:avLst/>
-            </a:prstGeom>
-          </p:spPr>
-          <p:style>
-            <a:lnRef idx="2">
-              <a:schemeClr val="accent6"/>
-            </a:lnRef>
-            <a:fillRef idx="1">
-              <a:schemeClr val="lt1"/>
-            </a:fillRef>
-            <a:effectRef idx="0">
-              <a:schemeClr val="accent6"/>
-            </a:effectRef>
-            <a:fontRef idx="minor">
-              <a:schemeClr val="dk1"/>
-            </a:fontRef>
-          </p:style>
-          <p:txBody>
-            <a:bodyPr rtlCol="0" anchor="ctr"/>
-            <a:lstStyle/>
-            <a:p>
-              <a:pPr algn="ctr"/>
-              <a:endParaRPr lang="en-US" dirty="0"/>
-            </a:p>
-          </p:txBody>
-        </p:sp>
-        <p:grpSp>
-          <p:nvGrpSpPr>
-            <p:cNvPr id="65" name="Group 64">
-              <a:extLst>
-                <a:ext uri="{FF2B5EF4-FFF2-40B4-BE49-F238E27FC236}">
-                  <a16:creationId xmlns:a16="http://schemas.microsoft.com/office/drawing/2014/main" id="{3ED57BB7-18C2-FCD6-C7AA-30F54F6EE3DF}"/>
-                </a:ext>
-              </a:extLst>
-            </p:cNvPr>
-            <p:cNvGrpSpPr/>
-            <p:nvPr/>
-          </p:nvGrpSpPr>
-          <p:grpSpPr>
-            <a:xfrm>
-              <a:off x="4904551" y="4527365"/>
-              <a:ext cx="1484196" cy="1956589"/>
-              <a:chOff x="2869084" y="5308011"/>
-              <a:chExt cx="1484196" cy="1956589"/>
-            </a:xfrm>
-          </p:grpSpPr>
-          <p:sp>
-            <p:nvSpPr>
-              <p:cNvPr id="66" name="Rectangle 65">
-                <a:extLst>
-                  <a:ext uri="{FF2B5EF4-FFF2-40B4-BE49-F238E27FC236}">
-                    <a16:creationId xmlns:a16="http://schemas.microsoft.com/office/drawing/2014/main" id="{45E0D441-4A60-4450-0D33-B0EAE273ECCD}"/>
-                  </a:ext>
-                </a:extLst>
-              </p:cNvPr>
-              <p:cNvSpPr/>
-              <p:nvPr/>
-            </p:nvSpPr>
-            <p:spPr>
-              <a:xfrm>
-                <a:off x="2869085" y="5308011"/>
-                <a:ext cx="1484195" cy="718614"/>
-              </a:xfrm>
-              <a:prstGeom prst="rect">
-                <a:avLst/>
-              </a:prstGeom>
-            </p:spPr>
-            <p:style>
-              <a:lnRef idx="2">
-                <a:schemeClr val="accent1">
-                  <a:shade val="15000"/>
-                </a:schemeClr>
-              </a:lnRef>
-              <a:fillRef idx="1">
-                <a:schemeClr val="accent1"/>
-              </a:fillRef>
-              <a:effectRef idx="0">
-                <a:schemeClr val="accent1"/>
-              </a:effectRef>
-              <a:fontRef idx="minor">
-                <a:schemeClr val="lt1"/>
-              </a:fontRef>
-            </p:style>
-            <p:txBody>
-              <a:bodyPr rtlCol="0" anchor="ctr"/>
-              <a:lstStyle/>
-              <a:p>
-                <a:pPr algn="ctr"/>
-                <a:r>
-                  <a:rPr lang="en-US" sz="1000" dirty="0"/>
-                  <a:t>CONTROLLER</a:t>
-                </a:r>
-              </a:p>
-            </p:txBody>
-          </p:sp>
-          <p:sp>
-            <p:nvSpPr>
-              <p:cNvPr id="67" name="Rectangle 66">
-                <a:extLst>
-                  <a:ext uri="{FF2B5EF4-FFF2-40B4-BE49-F238E27FC236}">
-                    <a16:creationId xmlns:a16="http://schemas.microsoft.com/office/drawing/2014/main" id="{B5F45A2C-C241-72FB-1669-CDEE7012ABC6}"/>
-                  </a:ext>
-                </a:extLst>
-              </p:cNvPr>
-              <p:cNvSpPr/>
-              <p:nvPr/>
-            </p:nvSpPr>
-            <p:spPr>
-              <a:xfrm>
-                <a:off x="3234163" y="6545986"/>
-                <a:ext cx="1119117" cy="718614"/>
-              </a:xfrm>
-              <a:prstGeom prst="rect">
-                <a:avLst/>
-              </a:prstGeom>
-            </p:spPr>
-            <p:style>
-              <a:lnRef idx="2">
-                <a:schemeClr val="accent1">
-                  <a:shade val="15000"/>
-                </a:schemeClr>
-              </a:lnRef>
-              <a:fillRef idx="1">
-                <a:schemeClr val="accent1"/>
-              </a:fillRef>
-              <a:effectRef idx="0">
-                <a:schemeClr val="accent1"/>
-              </a:effectRef>
-              <a:fontRef idx="minor">
-                <a:schemeClr val="lt1"/>
-              </a:fontRef>
-            </p:style>
-            <p:txBody>
-              <a:bodyPr rtlCol="0" anchor="b"/>
-              <a:lstStyle/>
-              <a:p>
-                <a:pPr algn="r"/>
-                <a:r>
-                  <a:rPr lang="en-US" sz="1000" dirty="0"/>
-                  <a:t>PROCESSING</a:t>
-                </a:r>
-              </a:p>
-            </p:txBody>
-          </p:sp>
-          <p:sp>
-            <p:nvSpPr>
-              <p:cNvPr id="68" name="Rectangle 67">
-                <a:extLst>
-                  <a:ext uri="{FF2B5EF4-FFF2-40B4-BE49-F238E27FC236}">
-                    <a16:creationId xmlns:a16="http://schemas.microsoft.com/office/drawing/2014/main" id="{7E935A21-50B8-10FC-203B-A13F2981D499}"/>
-                  </a:ext>
-                </a:extLst>
-              </p:cNvPr>
-              <p:cNvSpPr/>
-              <p:nvPr/>
-            </p:nvSpPr>
-            <p:spPr>
-              <a:xfrm>
-                <a:off x="3046504" y="6328045"/>
-                <a:ext cx="1119117" cy="718614"/>
-              </a:xfrm>
-              <a:prstGeom prst="rect">
-                <a:avLst/>
-              </a:prstGeom>
-            </p:spPr>
-            <p:style>
-              <a:lnRef idx="2">
-                <a:schemeClr val="accent1">
-                  <a:shade val="15000"/>
-                </a:schemeClr>
-              </a:lnRef>
-              <a:fillRef idx="1">
-                <a:schemeClr val="accent1"/>
-              </a:fillRef>
-              <a:effectRef idx="0">
-                <a:schemeClr val="accent1"/>
-              </a:effectRef>
-              <a:fontRef idx="minor">
-                <a:schemeClr val="lt1"/>
-              </a:fontRef>
-            </p:style>
-            <p:txBody>
-              <a:bodyPr rtlCol="0" anchor="b"/>
-              <a:lstStyle/>
-              <a:p>
-                <a:pPr algn="r"/>
-                <a:r>
-                  <a:rPr lang="en-US" sz="1000" dirty="0"/>
-                  <a:t>OUTPUTS</a:t>
-                </a:r>
-              </a:p>
-            </p:txBody>
-          </p:sp>
-          <p:sp>
-            <p:nvSpPr>
-              <p:cNvPr id="69" name="Rectangle 68">
-                <a:extLst>
-                  <a:ext uri="{FF2B5EF4-FFF2-40B4-BE49-F238E27FC236}">
-                    <a16:creationId xmlns:a16="http://schemas.microsoft.com/office/drawing/2014/main" id="{FBAE87CB-AA7E-AD56-B475-920F814B1072}"/>
-                  </a:ext>
-                </a:extLst>
-              </p:cNvPr>
-              <p:cNvSpPr/>
-              <p:nvPr/>
-            </p:nvSpPr>
-            <p:spPr>
-              <a:xfrm>
-                <a:off x="2869084" y="6110104"/>
-                <a:ext cx="1119117" cy="718614"/>
-              </a:xfrm>
-              <a:prstGeom prst="rect">
-                <a:avLst/>
-              </a:prstGeom>
-            </p:spPr>
-            <p:style>
-              <a:lnRef idx="2">
-                <a:schemeClr val="accent1">
-                  <a:shade val="15000"/>
-                </a:schemeClr>
-              </a:lnRef>
-              <a:fillRef idx="1">
-                <a:schemeClr val="accent1"/>
-              </a:fillRef>
-              <a:effectRef idx="0">
-                <a:schemeClr val="accent1"/>
-              </a:effectRef>
-              <a:fontRef idx="minor">
-                <a:schemeClr val="lt1"/>
-              </a:fontRef>
-            </p:style>
-            <p:txBody>
-              <a:bodyPr rtlCol="0" anchor="b"/>
-              <a:lstStyle/>
-              <a:p>
-                <a:pPr algn="r"/>
-                <a:r>
-                  <a:rPr lang="en-US" sz="1000" dirty="0"/>
-                  <a:t>INPUTS</a:t>
-                </a:r>
-              </a:p>
-            </p:txBody>
-          </p:sp>
-        </p:grpSp>
-        <p:sp>
-          <p:nvSpPr>
-            <p:cNvPr id="70" name="TextBox 69">
-              <a:extLst>
-                <a:ext uri="{FF2B5EF4-FFF2-40B4-BE49-F238E27FC236}">
-                  <a16:creationId xmlns:a16="http://schemas.microsoft.com/office/drawing/2014/main" id="{B69825DB-0531-25DD-6A6C-AFC8C56A1052}"/>
-                </a:ext>
-              </a:extLst>
-            </p:cNvPr>
-            <p:cNvSpPr txBox="1"/>
-            <p:nvPr/>
-          </p:nvSpPr>
-          <p:spPr>
-            <a:xfrm>
-              <a:off x="4927070" y="4035378"/>
-              <a:ext cx="885179" cy="464614"/>
-            </a:xfrm>
-            <a:prstGeom prst="rect">
-              <a:avLst/>
-            </a:prstGeom>
-            <a:noFill/>
-          </p:spPr>
-          <p:txBody>
-            <a:bodyPr wrap="none" rtlCol="0">
-              <a:spAutoFit/>
-            </a:bodyPr>
-            <a:lstStyle/>
-            <a:p>
-              <a:r>
-                <a:rPr lang="en-US" dirty="0"/>
-                <a:t>POOL</a:t>
-              </a:r>
-            </a:p>
-          </p:txBody>
-        </p:sp>
-      </p:grpSp>
-      <p:grpSp>
-        <p:nvGrpSpPr>
-          <p:cNvPr id="155" name="Group 154">
-            <a:extLst>
-              <a:ext uri="{FF2B5EF4-FFF2-40B4-BE49-F238E27FC236}">
-                <a16:creationId xmlns:a16="http://schemas.microsoft.com/office/drawing/2014/main" id="{B964105E-D043-BE8B-C8F2-EC5CCED084A3}"/>
-              </a:ext>
-            </a:extLst>
-          </p:cNvPr>
-          <p:cNvGrpSpPr/>
-          <p:nvPr/>
-        </p:nvGrpSpPr>
-        <p:grpSpPr>
-          <a:xfrm>
-            <a:off x="6494391" y="4035378"/>
-            <a:ext cx="1810450" cy="2585536"/>
-            <a:chOff x="6715001" y="4035378"/>
-            <a:chExt cx="1810450" cy="2585536"/>
-          </a:xfrm>
-        </p:grpSpPr>
-        <p:sp>
-          <p:nvSpPr>
-            <p:cNvPr id="71" name="Rectangle 70">
-              <a:extLst>
-                <a:ext uri="{FF2B5EF4-FFF2-40B4-BE49-F238E27FC236}">
-                  <a16:creationId xmlns:a16="http://schemas.microsoft.com/office/drawing/2014/main" id="{6BA6F6F6-C0F3-A757-4184-BEFEE3D3E98F}"/>
-                </a:ext>
-              </a:extLst>
-            </p:cNvPr>
-            <p:cNvSpPr/>
-            <p:nvPr/>
-          </p:nvSpPr>
-          <p:spPr>
-            <a:xfrm>
-              <a:off x="6715001" y="4035378"/>
-              <a:ext cx="1810450" cy="2585536"/>
-            </a:xfrm>
-            <a:prstGeom prst="rect">
-              <a:avLst/>
-            </a:prstGeom>
-          </p:spPr>
-          <p:style>
-            <a:lnRef idx="2">
-              <a:schemeClr val="accent6"/>
-            </a:lnRef>
-            <a:fillRef idx="1">
-              <a:schemeClr val="lt1"/>
-            </a:fillRef>
-            <a:effectRef idx="0">
-              <a:schemeClr val="accent6"/>
-            </a:effectRef>
-            <a:fontRef idx="minor">
-              <a:schemeClr val="dk1"/>
-            </a:fontRef>
-          </p:style>
-          <p:txBody>
-            <a:bodyPr rtlCol="0" anchor="ctr"/>
-            <a:lstStyle/>
-            <a:p>
-              <a:pPr algn="ctr"/>
-              <a:endParaRPr lang="en-US" dirty="0"/>
-            </a:p>
-          </p:txBody>
-        </p:sp>
-        <p:grpSp>
-          <p:nvGrpSpPr>
-            <p:cNvPr id="72" name="Group 71">
-              <a:extLst>
-                <a:ext uri="{FF2B5EF4-FFF2-40B4-BE49-F238E27FC236}">
-                  <a16:creationId xmlns:a16="http://schemas.microsoft.com/office/drawing/2014/main" id="{8B84DED3-C4BC-3671-0778-2604DA97E1DA}"/>
-                </a:ext>
-              </a:extLst>
-            </p:cNvPr>
-            <p:cNvGrpSpPr/>
-            <p:nvPr/>
-          </p:nvGrpSpPr>
-          <p:grpSpPr>
-            <a:xfrm>
-              <a:off x="6878128" y="4527365"/>
-              <a:ext cx="1484196" cy="1956589"/>
-              <a:chOff x="2869084" y="5308011"/>
-              <a:chExt cx="1484196" cy="1956589"/>
-            </a:xfrm>
-          </p:grpSpPr>
-          <p:sp>
-            <p:nvSpPr>
-              <p:cNvPr id="73" name="Rectangle 72">
-                <a:extLst>
-                  <a:ext uri="{FF2B5EF4-FFF2-40B4-BE49-F238E27FC236}">
-                    <a16:creationId xmlns:a16="http://schemas.microsoft.com/office/drawing/2014/main" id="{190E7EDA-3867-4292-FB53-24EB4919C8D4}"/>
-                  </a:ext>
-                </a:extLst>
-              </p:cNvPr>
-              <p:cNvSpPr/>
-              <p:nvPr/>
-            </p:nvSpPr>
-            <p:spPr>
-              <a:xfrm>
-                <a:off x="2869085" y="5308011"/>
-                <a:ext cx="1484195" cy="718614"/>
-              </a:xfrm>
-              <a:prstGeom prst="rect">
-                <a:avLst/>
-              </a:prstGeom>
-            </p:spPr>
-            <p:style>
-              <a:lnRef idx="2">
-                <a:schemeClr val="accent1">
-                  <a:shade val="15000"/>
-                </a:schemeClr>
-              </a:lnRef>
-              <a:fillRef idx="1">
-                <a:schemeClr val="accent1"/>
-              </a:fillRef>
-              <a:effectRef idx="0">
-                <a:schemeClr val="accent1"/>
-              </a:effectRef>
-              <a:fontRef idx="minor">
-                <a:schemeClr val="lt1"/>
-              </a:fontRef>
-            </p:style>
-            <p:txBody>
-              <a:bodyPr rtlCol="0" anchor="ctr"/>
-              <a:lstStyle/>
-              <a:p>
-                <a:pPr algn="ctr"/>
-                <a:r>
-                  <a:rPr lang="en-US" sz="1000" dirty="0"/>
-                  <a:t>CONTROLLER</a:t>
-                </a:r>
-              </a:p>
-            </p:txBody>
-          </p:sp>
-          <p:sp>
-            <p:nvSpPr>
-              <p:cNvPr id="74" name="Rectangle 73">
-                <a:extLst>
-                  <a:ext uri="{FF2B5EF4-FFF2-40B4-BE49-F238E27FC236}">
-                    <a16:creationId xmlns:a16="http://schemas.microsoft.com/office/drawing/2014/main" id="{9BD962FA-329A-1797-DE2C-279B4509C1D4}"/>
-                  </a:ext>
-                </a:extLst>
-              </p:cNvPr>
-              <p:cNvSpPr/>
-              <p:nvPr/>
-            </p:nvSpPr>
-            <p:spPr>
-              <a:xfrm>
-                <a:off x="3234163" y="6545986"/>
-                <a:ext cx="1119117" cy="718614"/>
-              </a:xfrm>
-              <a:prstGeom prst="rect">
-                <a:avLst/>
-              </a:prstGeom>
-            </p:spPr>
-            <p:style>
-              <a:lnRef idx="2">
-                <a:schemeClr val="accent1">
-                  <a:shade val="15000"/>
-                </a:schemeClr>
-              </a:lnRef>
-              <a:fillRef idx="1">
-                <a:schemeClr val="accent1"/>
-              </a:fillRef>
-              <a:effectRef idx="0">
-                <a:schemeClr val="accent1"/>
-              </a:effectRef>
-              <a:fontRef idx="minor">
-                <a:schemeClr val="lt1"/>
-              </a:fontRef>
-            </p:style>
-            <p:txBody>
-              <a:bodyPr rtlCol="0" anchor="b"/>
-              <a:lstStyle/>
-              <a:p>
-                <a:pPr algn="r"/>
-                <a:r>
-                  <a:rPr lang="en-US" sz="1000" dirty="0"/>
-                  <a:t>PROCESSING</a:t>
-                </a:r>
-              </a:p>
-            </p:txBody>
-          </p:sp>
-          <p:sp>
-            <p:nvSpPr>
-              <p:cNvPr id="75" name="Rectangle 74">
-                <a:extLst>
-                  <a:ext uri="{FF2B5EF4-FFF2-40B4-BE49-F238E27FC236}">
-                    <a16:creationId xmlns:a16="http://schemas.microsoft.com/office/drawing/2014/main" id="{A6D5033B-4E18-1B8C-A345-C729D23D2582}"/>
-                  </a:ext>
-                </a:extLst>
-              </p:cNvPr>
-              <p:cNvSpPr/>
-              <p:nvPr/>
-            </p:nvSpPr>
-            <p:spPr>
-              <a:xfrm>
-                <a:off x="3046504" y="6328045"/>
-                <a:ext cx="1119117" cy="718614"/>
-              </a:xfrm>
-              <a:prstGeom prst="rect">
-                <a:avLst/>
-              </a:prstGeom>
-            </p:spPr>
-            <p:style>
-              <a:lnRef idx="2">
-                <a:schemeClr val="accent1">
-                  <a:shade val="15000"/>
-                </a:schemeClr>
-              </a:lnRef>
-              <a:fillRef idx="1">
-                <a:schemeClr val="accent1"/>
-              </a:fillRef>
-              <a:effectRef idx="0">
-                <a:schemeClr val="accent1"/>
-              </a:effectRef>
-              <a:fontRef idx="minor">
-                <a:schemeClr val="lt1"/>
-              </a:fontRef>
-            </p:style>
-            <p:txBody>
-              <a:bodyPr rtlCol="0" anchor="b"/>
-              <a:lstStyle/>
-              <a:p>
-                <a:pPr algn="r"/>
-                <a:r>
-                  <a:rPr lang="en-US" sz="1000" dirty="0"/>
-                  <a:t>OUTPUTS</a:t>
-                </a:r>
-              </a:p>
-            </p:txBody>
-          </p:sp>
-          <p:sp>
-            <p:nvSpPr>
-              <p:cNvPr id="76" name="Rectangle 75">
-                <a:extLst>
-                  <a:ext uri="{FF2B5EF4-FFF2-40B4-BE49-F238E27FC236}">
-                    <a16:creationId xmlns:a16="http://schemas.microsoft.com/office/drawing/2014/main" id="{E4ACAF3C-D911-2536-ED39-C9FEEC0FCBB1}"/>
-                  </a:ext>
-                </a:extLst>
-              </p:cNvPr>
-              <p:cNvSpPr/>
-              <p:nvPr/>
-            </p:nvSpPr>
-            <p:spPr>
-              <a:xfrm>
-                <a:off x="2869084" y="6110104"/>
-                <a:ext cx="1119117" cy="718614"/>
-              </a:xfrm>
-              <a:prstGeom prst="rect">
-                <a:avLst/>
-              </a:prstGeom>
-            </p:spPr>
-            <p:style>
-              <a:lnRef idx="2">
-                <a:schemeClr val="accent1">
-                  <a:shade val="15000"/>
-                </a:schemeClr>
-              </a:lnRef>
-              <a:fillRef idx="1">
-                <a:schemeClr val="accent1"/>
-              </a:fillRef>
-              <a:effectRef idx="0">
-                <a:schemeClr val="accent1"/>
-              </a:effectRef>
-              <a:fontRef idx="minor">
-                <a:schemeClr val="lt1"/>
-              </a:fontRef>
-            </p:style>
-            <p:txBody>
-              <a:bodyPr rtlCol="0" anchor="b"/>
-              <a:lstStyle/>
-              <a:p>
-                <a:pPr algn="r"/>
-                <a:r>
-                  <a:rPr lang="en-US" sz="1000" dirty="0"/>
-                  <a:t>INPUTS</a:t>
-                </a:r>
-              </a:p>
-            </p:txBody>
-          </p:sp>
-        </p:grpSp>
-        <p:sp>
-          <p:nvSpPr>
-            <p:cNvPr id="77" name="TextBox 76">
-              <a:extLst>
-                <a:ext uri="{FF2B5EF4-FFF2-40B4-BE49-F238E27FC236}">
-                  <a16:creationId xmlns:a16="http://schemas.microsoft.com/office/drawing/2014/main" id="{D9B59DD3-9A89-F48E-78BA-D0ADC9B781B3}"/>
-                </a:ext>
-              </a:extLst>
-            </p:cNvPr>
-            <p:cNvSpPr txBox="1"/>
-            <p:nvPr/>
-          </p:nvSpPr>
-          <p:spPr>
-            <a:xfrm>
-              <a:off x="6900647" y="4035378"/>
-              <a:ext cx="911788" cy="464614"/>
-            </a:xfrm>
-            <a:prstGeom prst="rect">
-              <a:avLst/>
-            </a:prstGeom>
-            <a:noFill/>
-          </p:spPr>
-          <p:txBody>
-            <a:bodyPr wrap="none" rtlCol="0">
-              <a:spAutoFit/>
-            </a:bodyPr>
-            <a:lstStyle/>
-            <a:p>
-              <a:r>
-                <a:rPr lang="en-US" dirty="0"/>
-                <a:t>PATIO</a:t>
-              </a:r>
-            </a:p>
-          </p:txBody>
-        </p:sp>
-      </p:grpSp>
-      <p:grpSp>
-        <p:nvGrpSpPr>
-          <p:cNvPr id="156" name="Group 155">
-            <a:extLst>
-              <a:ext uri="{FF2B5EF4-FFF2-40B4-BE49-F238E27FC236}">
-                <a16:creationId xmlns:a16="http://schemas.microsoft.com/office/drawing/2014/main" id="{09078367-D6D4-8613-EDD8-4B0129377493}"/>
-              </a:ext>
-            </a:extLst>
-          </p:cNvPr>
-          <p:cNvGrpSpPr/>
-          <p:nvPr/>
-        </p:nvGrpSpPr>
-        <p:grpSpPr>
-          <a:xfrm>
-            <a:off x="8467968" y="4035378"/>
-            <a:ext cx="1810450" cy="2585536"/>
-            <a:chOff x="8688578" y="4035378"/>
-            <a:chExt cx="1810450" cy="2585536"/>
-          </a:xfrm>
-        </p:grpSpPr>
-        <p:sp>
-          <p:nvSpPr>
-            <p:cNvPr id="78" name="Rectangle 77">
-              <a:extLst>
-                <a:ext uri="{FF2B5EF4-FFF2-40B4-BE49-F238E27FC236}">
-                  <a16:creationId xmlns:a16="http://schemas.microsoft.com/office/drawing/2014/main" id="{F5115C9A-7D20-34CA-17F0-83FF37F9F2A1}"/>
-                </a:ext>
-              </a:extLst>
-            </p:cNvPr>
-            <p:cNvSpPr/>
-            <p:nvPr/>
-          </p:nvSpPr>
-          <p:spPr>
-            <a:xfrm>
-              <a:off x="8688578" y="4035378"/>
-              <a:ext cx="1810450" cy="2585536"/>
-            </a:xfrm>
-            <a:prstGeom prst="rect">
-              <a:avLst/>
-            </a:prstGeom>
-          </p:spPr>
-          <p:style>
-            <a:lnRef idx="2">
-              <a:schemeClr val="accent6"/>
-            </a:lnRef>
-            <a:fillRef idx="1">
-              <a:schemeClr val="lt1"/>
-            </a:fillRef>
-            <a:effectRef idx="0">
-              <a:schemeClr val="accent6"/>
-            </a:effectRef>
-            <a:fontRef idx="minor">
-              <a:schemeClr val="dk1"/>
-            </a:fontRef>
-          </p:style>
-          <p:txBody>
-            <a:bodyPr rtlCol="0" anchor="ctr"/>
-            <a:lstStyle/>
-            <a:p>
-              <a:pPr algn="ctr"/>
-              <a:endParaRPr lang="en-US" dirty="0"/>
-            </a:p>
-          </p:txBody>
-        </p:sp>
-        <p:grpSp>
-          <p:nvGrpSpPr>
-            <p:cNvPr id="79" name="Group 78">
-              <a:extLst>
-                <a:ext uri="{FF2B5EF4-FFF2-40B4-BE49-F238E27FC236}">
-                  <a16:creationId xmlns:a16="http://schemas.microsoft.com/office/drawing/2014/main" id="{DF6301B1-8791-4C64-DF5F-6662A2C17CC2}"/>
-                </a:ext>
-              </a:extLst>
-            </p:cNvPr>
-            <p:cNvGrpSpPr/>
-            <p:nvPr/>
-          </p:nvGrpSpPr>
-          <p:grpSpPr>
-            <a:xfrm>
-              <a:off x="8851705" y="4527365"/>
-              <a:ext cx="1484196" cy="1956589"/>
-              <a:chOff x="2869084" y="5308011"/>
-              <a:chExt cx="1484196" cy="1956589"/>
-            </a:xfrm>
-          </p:grpSpPr>
-          <p:sp>
-            <p:nvSpPr>
-              <p:cNvPr id="80" name="Rectangle 79">
-                <a:extLst>
-                  <a:ext uri="{FF2B5EF4-FFF2-40B4-BE49-F238E27FC236}">
-                    <a16:creationId xmlns:a16="http://schemas.microsoft.com/office/drawing/2014/main" id="{976E6E6F-6373-5F2E-2284-2602FE2B3519}"/>
-                  </a:ext>
-                </a:extLst>
-              </p:cNvPr>
-              <p:cNvSpPr/>
-              <p:nvPr/>
-            </p:nvSpPr>
-            <p:spPr>
-              <a:xfrm>
-                <a:off x="2869085" y="5308011"/>
-                <a:ext cx="1484195" cy="718614"/>
-              </a:xfrm>
-              <a:prstGeom prst="rect">
-                <a:avLst/>
-              </a:prstGeom>
-            </p:spPr>
-            <p:style>
-              <a:lnRef idx="2">
-                <a:schemeClr val="accent1">
-                  <a:shade val="15000"/>
-                </a:schemeClr>
-              </a:lnRef>
-              <a:fillRef idx="1">
-                <a:schemeClr val="accent1"/>
-              </a:fillRef>
-              <a:effectRef idx="0">
-                <a:schemeClr val="accent1"/>
-              </a:effectRef>
-              <a:fontRef idx="minor">
-                <a:schemeClr val="lt1"/>
-              </a:fontRef>
-            </p:style>
-            <p:txBody>
-              <a:bodyPr rtlCol="0" anchor="ctr"/>
-              <a:lstStyle/>
-              <a:p>
-                <a:pPr algn="ctr"/>
-                <a:r>
-                  <a:rPr lang="en-US" sz="1000" dirty="0"/>
-                  <a:t>CONTROLLER</a:t>
-                </a:r>
-              </a:p>
-            </p:txBody>
-          </p:sp>
-          <p:sp>
-            <p:nvSpPr>
-              <p:cNvPr id="81" name="Rectangle 80">
-                <a:extLst>
-                  <a:ext uri="{FF2B5EF4-FFF2-40B4-BE49-F238E27FC236}">
-                    <a16:creationId xmlns:a16="http://schemas.microsoft.com/office/drawing/2014/main" id="{9C19901E-8739-B01B-DA26-C05C52A0B76C}"/>
-                  </a:ext>
-                </a:extLst>
-              </p:cNvPr>
-              <p:cNvSpPr/>
-              <p:nvPr/>
-            </p:nvSpPr>
-            <p:spPr>
-              <a:xfrm>
-                <a:off x="3234163" y="6545986"/>
-                <a:ext cx="1119117" cy="718614"/>
-              </a:xfrm>
-              <a:prstGeom prst="rect">
-                <a:avLst/>
-              </a:prstGeom>
-            </p:spPr>
-            <p:style>
-              <a:lnRef idx="2">
-                <a:schemeClr val="accent1">
-                  <a:shade val="15000"/>
-                </a:schemeClr>
-              </a:lnRef>
-              <a:fillRef idx="1">
-                <a:schemeClr val="accent1"/>
-              </a:fillRef>
-              <a:effectRef idx="0">
-                <a:schemeClr val="accent1"/>
-              </a:effectRef>
-              <a:fontRef idx="minor">
-                <a:schemeClr val="lt1"/>
-              </a:fontRef>
-            </p:style>
-            <p:txBody>
-              <a:bodyPr rtlCol="0" anchor="b"/>
-              <a:lstStyle/>
-              <a:p>
-                <a:pPr algn="r"/>
-                <a:r>
-                  <a:rPr lang="en-US" sz="1000" dirty="0"/>
-                  <a:t>PROCESSING</a:t>
-                </a:r>
-              </a:p>
-            </p:txBody>
-          </p:sp>
-          <p:sp>
-            <p:nvSpPr>
-              <p:cNvPr id="82" name="Rectangle 81">
-                <a:extLst>
-                  <a:ext uri="{FF2B5EF4-FFF2-40B4-BE49-F238E27FC236}">
-                    <a16:creationId xmlns:a16="http://schemas.microsoft.com/office/drawing/2014/main" id="{29AA7592-A124-18AB-172D-9F25753BE77B}"/>
-                  </a:ext>
-                </a:extLst>
-              </p:cNvPr>
-              <p:cNvSpPr/>
-              <p:nvPr/>
-            </p:nvSpPr>
-            <p:spPr>
-              <a:xfrm>
-                <a:off x="3046504" y="6328045"/>
-                <a:ext cx="1119117" cy="718614"/>
-              </a:xfrm>
-              <a:prstGeom prst="rect">
-                <a:avLst/>
-              </a:prstGeom>
-            </p:spPr>
-            <p:style>
-              <a:lnRef idx="2">
-                <a:schemeClr val="accent1">
-                  <a:shade val="15000"/>
-                </a:schemeClr>
-              </a:lnRef>
-              <a:fillRef idx="1">
-                <a:schemeClr val="accent1"/>
-              </a:fillRef>
-              <a:effectRef idx="0">
-                <a:schemeClr val="accent1"/>
-              </a:effectRef>
-              <a:fontRef idx="minor">
-                <a:schemeClr val="lt1"/>
-              </a:fontRef>
-            </p:style>
-            <p:txBody>
-              <a:bodyPr rtlCol="0" anchor="b"/>
-              <a:lstStyle/>
-              <a:p>
-                <a:pPr algn="r"/>
-                <a:r>
-                  <a:rPr lang="en-US" sz="1000" dirty="0"/>
-                  <a:t>OUTPUTS</a:t>
-                </a:r>
-              </a:p>
-            </p:txBody>
-          </p:sp>
-          <p:sp>
-            <p:nvSpPr>
-              <p:cNvPr id="83" name="Rectangle 82">
-                <a:extLst>
-                  <a:ext uri="{FF2B5EF4-FFF2-40B4-BE49-F238E27FC236}">
-                    <a16:creationId xmlns:a16="http://schemas.microsoft.com/office/drawing/2014/main" id="{6A3E673E-5EEB-A03B-2BA6-3EDDA6E9646A}"/>
-                  </a:ext>
-                </a:extLst>
-              </p:cNvPr>
-              <p:cNvSpPr/>
-              <p:nvPr/>
-            </p:nvSpPr>
-            <p:spPr>
-              <a:xfrm>
-                <a:off x="2869084" y="6110104"/>
-                <a:ext cx="1119117" cy="718614"/>
-              </a:xfrm>
-              <a:prstGeom prst="rect">
-                <a:avLst/>
-              </a:prstGeom>
-            </p:spPr>
-            <p:style>
-              <a:lnRef idx="2">
-                <a:schemeClr val="accent1">
-                  <a:shade val="15000"/>
-                </a:schemeClr>
-              </a:lnRef>
-              <a:fillRef idx="1">
-                <a:schemeClr val="accent1"/>
-              </a:fillRef>
-              <a:effectRef idx="0">
-                <a:schemeClr val="accent1"/>
-              </a:effectRef>
-              <a:fontRef idx="minor">
-                <a:schemeClr val="lt1"/>
-              </a:fontRef>
-            </p:style>
-            <p:txBody>
-              <a:bodyPr rtlCol="0" anchor="b"/>
-              <a:lstStyle/>
-              <a:p>
-                <a:pPr algn="r"/>
-                <a:r>
-                  <a:rPr lang="en-US" sz="1000" dirty="0"/>
-                  <a:t>INPUTS</a:t>
-                </a:r>
-              </a:p>
-            </p:txBody>
-          </p:sp>
-        </p:grpSp>
-        <p:sp>
-          <p:nvSpPr>
-            <p:cNvPr id="84" name="TextBox 83">
-              <a:extLst>
-                <a:ext uri="{FF2B5EF4-FFF2-40B4-BE49-F238E27FC236}">
-                  <a16:creationId xmlns:a16="http://schemas.microsoft.com/office/drawing/2014/main" id="{2EC50B1E-7891-C93E-B62F-4AF707398648}"/>
-                </a:ext>
-              </a:extLst>
-            </p:cNvPr>
-            <p:cNvSpPr txBox="1"/>
-            <p:nvPr/>
-          </p:nvSpPr>
-          <p:spPr>
-            <a:xfrm>
-              <a:off x="8874224" y="4035378"/>
-              <a:ext cx="1251625" cy="464614"/>
-            </a:xfrm>
-            <a:prstGeom prst="rect">
-              <a:avLst/>
-            </a:prstGeom>
-            <a:noFill/>
-          </p:spPr>
-          <p:txBody>
-            <a:bodyPr wrap="none" rtlCol="0">
-              <a:spAutoFit/>
-            </a:bodyPr>
-            <a:lstStyle/>
-            <a:p>
-              <a:r>
-                <a:rPr lang="en-US" dirty="0"/>
-                <a:t>GARAGE</a:t>
-              </a:r>
-            </a:p>
-          </p:txBody>
-        </p:sp>
-      </p:grpSp>
-      <p:sp>
-        <p:nvSpPr>
-          <p:cNvPr id="102" name="TextBox 101">
-            <a:extLst>
-              <a:ext uri="{FF2B5EF4-FFF2-40B4-BE49-F238E27FC236}">
-                <a16:creationId xmlns:a16="http://schemas.microsoft.com/office/drawing/2014/main" id="{43E46888-5A55-AAFB-4D70-19B12661680D}"/>
-              </a:ext>
-            </a:extLst>
-          </p:cNvPr>
-          <p:cNvSpPr txBox="1"/>
-          <p:nvPr/>
-        </p:nvSpPr>
-        <p:spPr>
-          <a:xfrm>
-            <a:off x="4711581" y="2671420"/>
-            <a:ext cx="2057615" cy="464614"/>
-          </a:xfrm>
-          <a:prstGeom prst="rect">
-            <a:avLst/>
-          </a:prstGeom>
-          <a:noFill/>
-        </p:spPr>
-        <p:txBody>
-          <a:bodyPr wrap="none" rtlCol="0">
-            <a:spAutoFit/>
-          </a:bodyPr>
-          <a:lstStyle/>
-          <a:p>
-            <a:r>
-              <a:rPr lang="en-US" dirty="0"/>
-              <a:t>LOW SECURITY</a:t>
-            </a:r>
-          </a:p>
-        </p:txBody>
-      </p:sp>
-      <p:sp>
-        <p:nvSpPr>
-          <p:cNvPr id="105" name="Rectangle 104">
-            <a:extLst>
-              <a:ext uri="{FF2B5EF4-FFF2-40B4-BE49-F238E27FC236}">
-                <a16:creationId xmlns:a16="http://schemas.microsoft.com/office/drawing/2014/main" id="{8B6A1F89-7CE4-AF5B-4411-4F9719A2E20E}"/>
-              </a:ext>
-            </a:extLst>
-          </p:cNvPr>
-          <p:cNvSpPr/>
-          <p:nvPr/>
-        </p:nvSpPr>
-        <p:spPr>
-          <a:xfrm>
-            <a:off x="10816848" y="2584504"/>
-            <a:ext cx="4354529" cy="4215136"/>
-          </a:xfrm>
-          <a:prstGeom prst="rect">
-            <a:avLst/>
-          </a:prstGeom>
-          <a:solidFill>
-            <a:schemeClr val="accent6">
-              <a:lumMod val="20000"/>
-              <a:lumOff val="80000"/>
-            </a:schemeClr>
-          </a:solidFill>
-        </p:spPr>
-        <p:style>
-          <a:lnRef idx="2">
-            <a:schemeClr val="accent6"/>
-          </a:lnRef>
-          <a:fillRef idx="1">
-            <a:schemeClr val="lt1"/>
-          </a:fillRef>
-          <a:effectRef idx="0">
-            <a:schemeClr val="accent6"/>
-          </a:effectRef>
-          <a:fontRef idx="minor">
-            <a:schemeClr val="dk1"/>
-          </a:fontRef>
-        </p:style>
-        <p:txBody>
-          <a:bodyPr rtlCol="0" anchor="ctr"/>
-          <a:lstStyle/>
-          <a:p>
-            <a:pPr algn="ctr"/>
-            <a:endParaRPr lang="en-US" dirty="0"/>
-          </a:p>
-        </p:txBody>
-      </p:sp>
-      <p:grpSp>
-        <p:nvGrpSpPr>
-          <p:cNvPr id="107" name="Group 106">
-            <a:extLst>
-              <a:ext uri="{FF2B5EF4-FFF2-40B4-BE49-F238E27FC236}">
-                <a16:creationId xmlns:a16="http://schemas.microsoft.com/office/drawing/2014/main" id="{CEE82B7D-8225-CD3C-6F88-36049E8F0418}"/>
-              </a:ext>
-            </a:extLst>
-          </p:cNvPr>
-          <p:cNvGrpSpPr/>
-          <p:nvPr/>
-        </p:nvGrpSpPr>
-        <p:grpSpPr>
-          <a:xfrm>
-            <a:off x="10985043" y="2696975"/>
-            <a:ext cx="3784027" cy="3920786"/>
-            <a:chOff x="10844288" y="3230648"/>
-            <a:chExt cx="3784027" cy="3920786"/>
-          </a:xfrm>
-        </p:grpSpPr>
-        <p:grpSp>
-          <p:nvGrpSpPr>
             <p:cNvPr id="104" name="Group 103">
               <a:extLst>
                 <a:ext uri="{FF2B5EF4-FFF2-40B4-BE49-F238E27FC236}">
@@ -5445,7 +3633,7 @@
           </p:nvGrpSpPr>
           <p:grpSpPr>
             <a:xfrm>
-              <a:off x="10844288" y="3695262"/>
+              <a:off x="11102099" y="3161589"/>
               <a:ext cx="3784027" cy="3456172"/>
               <a:chOff x="10844288" y="3695262"/>
               <a:chExt cx="3784027" cy="3456172"/>
@@ -6107,13 +4295,20 @@
           </p:nvSpPr>
           <p:spPr>
             <a:xfrm>
-              <a:off x="11916044" y="3230648"/>
+              <a:off x="11934591" y="2640044"/>
               <a:ext cx="2119042" cy="464614"/>
             </a:xfrm>
             <a:prstGeom prst="rect">
               <a:avLst/>
             </a:prstGeom>
-            <a:noFill/>
+            <a:solidFill>
+              <a:schemeClr val="bg1"/>
+            </a:solidFill>
+            <a:ln>
+              <a:solidFill>
+                <a:schemeClr val="accent6"/>
+              </a:solidFill>
+            </a:ln>
           </p:spPr>
           <p:txBody>
             <a:bodyPr wrap="none" rtlCol="0">
@@ -6131,10 +4326,10 @@
       </p:grpSp>
       <p:grpSp>
         <p:nvGrpSpPr>
-          <p:cNvPr id="111" name="Group 110">
+          <p:cNvPr id="16" name="Group 15">
             <a:extLst>
               <a:ext uri="{FF2B5EF4-FFF2-40B4-BE49-F238E27FC236}">
-                <a16:creationId xmlns:a16="http://schemas.microsoft.com/office/drawing/2014/main" id="{723FA25F-2692-75F4-3425-A09964952A7A}"/>
+                <a16:creationId xmlns:a16="http://schemas.microsoft.com/office/drawing/2014/main" id="{401B84E4-8651-6106-087E-0EF61EFD0E66}"/>
               </a:ext>
             </a:extLst>
           </p:cNvPr>
@@ -6143,18 +4338,18 @@
         </p:nvGrpSpPr>
         <p:grpSpPr>
           <a:xfrm>
-            <a:off x="5025325" y="1318342"/>
-            <a:ext cx="5734877" cy="832147"/>
-            <a:chOff x="5081970" y="1461342"/>
-            <a:chExt cx="5734877" cy="832147"/>
+            <a:off x="393540" y="2584504"/>
+            <a:ext cx="10064998" cy="6770878"/>
+            <a:chOff x="393540" y="2584504"/>
+            <a:chExt cx="10064998" cy="6770878"/>
           </a:xfrm>
         </p:grpSpPr>
         <p:sp>
           <p:nvSpPr>
-            <p:cNvPr id="49" name="Rectangle: Rounded Corners 48">
+            <p:cNvPr id="101" name="Rectangle 100">
               <a:extLst>
                 <a:ext uri="{FF2B5EF4-FFF2-40B4-BE49-F238E27FC236}">
-                  <a16:creationId xmlns:a16="http://schemas.microsoft.com/office/drawing/2014/main" id="{2233FE44-D5AC-F3C7-A85D-5E5BA638C40E}"/>
+                  <a16:creationId xmlns:a16="http://schemas.microsoft.com/office/drawing/2014/main" id="{7189C68E-6FEA-9D2F-7E6B-0B55C108CE81}"/>
                 </a:ext>
               </a:extLst>
             </p:cNvPr>
@@ -6163,10 +4358,65 @@
           </p:nvSpPr>
           <p:spPr>
             <a:xfrm>
-              <a:off x="5081970" y="1461342"/>
-              <a:ext cx="964885" cy="832147"/>
+              <a:off x="393540" y="2584504"/>
+              <a:ext cx="10064998" cy="6770878"/>
             </a:xfrm>
-            <a:prstGeom prst="roundRect">
+            <a:prstGeom prst="rect">
+              <a:avLst/>
+            </a:prstGeom>
+            <a:solidFill>
+              <a:schemeClr val="accent2">
+                <a:lumMod val="20000"/>
+                <a:lumOff val="80000"/>
+              </a:schemeClr>
+            </a:solidFill>
+            <a:ln>
+              <a:solidFill>
+                <a:schemeClr val="accent2"/>
+              </a:solidFill>
+            </a:ln>
+          </p:spPr>
+          <p:style>
+            <a:lnRef idx="2">
+              <a:schemeClr val="accent6"/>
+            </a:lnRef>
+            <a:fillRef idx="1">
+              <a:schemeClr val="lt1"/>
+            </a:fillRef>
+            <a:effectRef idx="0">
+              <a:schemeClr val="accent6"/>
+            </a:effectRef>
+            <a:fontRef idx="minor">
+              <a:schemeClr val="dk1"/>
+            </a:fontRef>
+          </p:style>
+          <p:txBody>
+            <a:bodyPr rtlCol="0" anchor="ctr"/>
+            <a:lstStyle/>
+            <a:p>
+              <a:pPr algn="ctr"/>
+              <a:endParaRPr lang="en-US" dirty="0"/>
+            </a:p>
+          </p:txBody>
+        </p:sp>
+        <p:sp>
+          <p:nvSpPr>
+            <p:cNvPr id="2" name="Rectangle 1">
+              <a:extLst>
+                <a:ext uri="{FF2B5EF4-FFF2-40B4-BE49-F238E27FC236}">
+                  <a16:creationId xmlns:a16="http://schemas.microsoft.com/office/drawing/2014/main" id="{18E7B5DA-2B4D-FDC2-A3CE-1DBB4D0C9C8F}"/>
+                </a:ext>
+              </a:extLst>
+            </p:cNvPr>
+            <p:cNvSpPr/>
+            <p:nvPr/>
+          </p:nvSpPr>
+          <p:spPr>
+            <a:xfrm>
+              <a:off x="573660" y="3166054"/>
+              <a:ext cx="9704758" cy="718614"/>
+            </a:xfrm>
+            <a:prstGeom prst="rect">
               <a:avLst/>
             </a:prstGeom>
           </p:spPr>
@@ -6192,18 +4442,18 @@
             <a:p>
               <a:pPr algn="ctr"/>
               <a:r>
-                <a:rPr lang="en-US" sz="2000" dirty="0"/>
-                <a:t>A</a:t>
+                <a:rPr lang="en-US" dirty="0"/>
+                <a:t>CONTROLLER</a:t>
               </a:r>
             </a:p>
           </p:txBody>
         </p:sp>
         <p:sp>
           <p:nvSpPr>
-            <p:cNvPr id="50" name="Rectangle: Rounded Corners 49">
+            <p:cNvPr id="54" name="Rectangle 53">
               <a:extLst>
                 <a:ext uri="{FF2B5EF4-FFF2-40B4-BE49-F238E27FC236}">
-                  <a16:creationId xmlns:a16="http://schemas.microsoft.com/office/drawing/2014/main" id="{710A9316-0780-B19A-922A-9EAE4E8EB463}"/>
+                  <a16:creationId xmlns:a16="http://schemas.microsoft.com/office/drawing/2014/main" id="{70D76338-6A40-8255-447F-CB3E7FCDAEAB}"/>
                 </a:ext>
               </a:extLst>
             </p:cNvPr>
@@ -6212,27 +4462,30 @@
           </p:nvSpPr>
           <p:spPr>
             <a:xfrm>
-              <a:off x="6671967" y="1461342"/>
-              <a:ext cx="964885" cy="832147"/>
+              <a:off x="573660" y="4035378"/>
+              <a:ext cx="1810450" cy="2585536"/>
             </a:xfrm>
-            <a:prstGeom prst="roundRect">
+            <a:prstGeom prst="rect">
               <a:avLst/>
             </a:prstGeom>
+            <a:ln>
+              <a:solidFill>
+                <a:schemeClr val="accent2"/>
+              </a:solidFill>
+            </a:ln>
           </p:spPr>
           <p:style>
             <a:lnRef idx="2">
-              <a:schemeClr val="accent1">
-                <a:shade val="15000"/>
-              </a:schemeClr>
+              <a:schemeClr val="accent6"/>
             </a:lnRef>
             <a:fillRef idx="1">
-              <a:schemeClr val="accent1"/>
+              <a:schemeClr val="lt1"/>
             </a:fillRef>
             <a:effectRef idx="0">
-              <a:schemeClr val="accent1"/>
+              <a:schemeClr val="accent6"/>
             </a:effectRef>
             <a:fontRef idx="minor">
-              <a:schemeClr val="lt1"/>
+              <a:schemeClr val="dk1"/>
             </a:fontRef>
           </p:style>
           <p:txBody>
@@ -6240,19 +4493,268 @@
             <a:lstStyle/>
             <a:p>
               <a:pPr algn="ctr"/>
+              <a:endParaRPr lang="en-US" dirty="0"/>
+            </a:p>
+          </p:txBody>
+        </p:sp>
+        <p:grpSp>
+          <p:nvGrpSpPr>
+            <p:cNvPr id="55" name="Group 54">
+              <a:extLst>
+                <a:ext uri="{FF2B5EF4-FFF2-40B4-BE49-F238E27FC236}">
+                  <a16:creationId xmlns:a16="http://schemas.microsoft.com/office/drawing/2014/main" id="{39ABCA3A-7484-ED76-7E13-6CDEDA62FCC6}"/>
+                </a:ext>
+              </a:extLst>
+            </p:cNvPr>
+            <p:cNvGrpSpPr/>
+            <p:nvPr/>
+          </p:nvGrpSpPr>
+          <p:grpSpPr>
+            <a:xfrm>
+              <a:off x="736787" y="4527365"/>
+              <a:ext cx="1484196" cy="1956589"/>
+              <a:chOff x="2869084" y="5308011"/>
+              <a:chExt cx="1484196" cy="1956589"/>
+            </a:xfrm>
+          </p:grpSpPr>
+          <p:sp>
+            <p:nvSpPr>
+              <p:cNvPr id="12" name="Rectangle 11">
+                <a:extLst>
+                  <a:ext uri="{FF2B5EF4-FFF2-40B4-BE49-F238E27FC236}">
+                    <a16:creationId xmlns:a16="http://schemas.microsoft.com/office/drawing/2014/main" id="{891C120B-9EDB-2604-E063-58F22ED172F9}"/>
+                  </a:ext>
+                </a:extLst>
+              </p:cNvPr>
+              <p:cNvSpPr/>
+              <p:nvPr/>
+            </p:nvSpPr>
+            <p:spPr>
+              <a:xfrm>
+                <a:off x="2869085" y="5308011"/>
+                <a:ext cx="1484195" cy="718614"/>
+              </a:xfrm>
+              <a:prstGeom prst="rect">
+                <a:avLst/>
+              </a:prstGeom>
+            </p:spPr>
+            <p:style>
+              <a:lnRef idx="2">
+                <a:schemeClr val="accent1">
+                  <a:shade val="15000"/>
+                </a:schemeClr>
+              </a:lnRef>
+              <a:fillRef idx="1">
+                <a:schemeClr val="accent1"/>
+              </a:fillRef>
+              <a:effectRef idx="0">
+                <a:schemeClr val="accent1"/>
+              </a:effectRef>
+              <a:fontRef idx="minor">
+                <a:schemeClr val="lt1"/>
+              </a:fontRef>
+            </p:style>
+            <p:txBody>
+              <a:bodyPr rtlCol="0" anchor="ctr"/>
+              <a:lstStyle/>
+              <a:p>
+                <a:pPr algn="ctr"/>
+                <a:r>
+                  <a:rPr lang="en-US" sz="1000" dirty="0"/>
+                  <a:t>CONTROLLER</a:t>
+                </a:r>
+              </a:p>
+            </p:txBody>
+          </p:sp>
+          <p:sp>
+            <p:nvSpPr>
+              <p:cNvPr id="13" name="Rectangle 12">
+                <a:extLst>
+                  <a:ext uri="{FF2B5EF4-FFF2-40B4-BE49-F238E27FC236}">
+                    <a16:creationId xmlns:a16="http://schemas.microsoft.com/office/drawing/2014/main" id="{3B474ED8-4552-42B9-0391-045FB6DDA156}"/>
+                  </a:ext>
+                </a:extLst>
+              </p:cNvPr>
+              <p:cNvSpPr/>
+              <p:nvPr/>
+            </p:nvSpPr>
+            <p:spPr>
+              <a:xfrm>
+                <a:off x="3234163" y="6545986"/>
+                <a:ext cx="1119117" cy="718614"/>
+              </a:xfrm>
+              <a:prstGeom prst="rect">
+                <a:avLst/>
+              </a:prstGeom>
+            </p:spPr>
+            <p:style>
+              <a:lnRef idx="2">
+                <a:schemeClr val="accent1">
+                  <a:shade val="15000"/>
+                </a:schemeClr>
+              </a:lnRef>
+              <a:fillRef idx="1">
+                <a:schemeClr val="accent1"/>
+              </a:fillRef>
+              <a:effectRef idx="0">
+                <a:schemeClr val="accent1"/>
+              </a:effectRef>
+              <a:fontRef idx="minor">
+                <a:schemeClr val="lt1"/>
+              </a:fontRef>
+            </p:style>
+            <p:txBody>
+              <a:bodyPr rtlCol="0" anchor="b"/>
+              <a:lstStyle/>
+              <a:p>
+                <a:pPr algn="r"/>
+                <a:r>
+                  <a:rPr lang="en-US" sz="1000" dirty="0"/>
+                  <a:t>PROCESSING</a:t>
+                </a:r>
+              </a:p>
+            </p:txBody>
+          </p:sp>
+          <p:sp>
+            <p:nvSpPr>
+              <p:cNvPr id="14" name="Rectangle 13">
+                <a:extLst>
+                  <a:ext uri="{FF2B5EF4-FFF2-40B4-BE49-F238E27FC236}">
+                    <a16:creationId xmlns:a16="http://schemas.microsoft.com/office/drawing/2014/main" id="{036C40F3-CD90-005D-1846-C9B93CEBFBFA}"/>
+                  </a:ext>
+                </a:extLst>
+              </p:cNvPr>
+              <p:cNvSpPr/>
+              <p:nvPr/>
+            </p:nvSpPr>
+            <p:spPr>
+              <a:xfrm>
+                <a:off x="3046504" y="6328045"/>
+                <a:ext cx="1119117" cy="718614"/>
+              </a:xfrm>
+              <a:prstGeom prst="rect">
+                <a:avLst/>
+              </a:prstGeom>
+            </p:spPr>
+            <p:style>
+              <a:lnRef idx="2">
+                <a:schemeClr val="accent1">
+                  <a:shade val="15000"/>
+                </a:schemeClr>
+              </a:lnRef>
+              <a:fillRef idx="1">
+                <a:schemeClr val="accent1"/>
+              </a:fillRef>
+              <a:effectRef idx="0">
+                <a:schemeClr val="accent1"/>
+              </a:effectRef>
+              <a:fontRef idx="minor">
+                <a:schemeClr val="lt1"/>
+              </a:fontRef>
+            </p:style>
+            <p:txBody>
+              <a:bodyPr rtlCol="0" anchor="b"/>
+              <a:lstStyle/>
+              <a:p>
+                <a:pPr algn="r"/>
+                <a:r>
+                  <a:rPr lang="en-US" sz="1000" dirty="0"/>
+                  <a:t>OUTPUTS</a:t>
+                </a:r>
+              </a:p>
+            </p:txBody>
+          </p:sp>
+          <p:sp>
+            <p:nvSpPr>
+              <p:cNvPr id="15" name="Rectangle 14">
+                <a:extLst>
+                  <a:ext uri="{FF2B5EF4-FFF2-40B4-BE49-F238E27FC236}">
+                    <a16:creationId xmlns:a16="http://schemas.microsoft.com/office/drawing/2014/main" id="{BB6FC5E7-E2A0-5011-000B-5FA633F2238A}"/>
+                  </a:ext>
+                </a:extLst>
+              </p:cNvPr>
+              <p:cNvSpPr/>
+              <p:nvPr/>
+            </p:nvSpPr>
+            <p:spPr>
+              <a:xfrm>
+                <a:off x="2869084" y="6110104"/>
+                <a:ext cx="1119117" cy="718614"/>
+              </a:xfrm>
+              <a:prstGeom prst="rect">
+                <a:avLst/>
+              </a:prstGeom>
+            </p:spPr>
+            <p:style>
+              <a:lnRef idx="2">
+                <a:schemeClr val="accent1">
+                  <a:shade val="15000"/>
+                </a:schemeClr>
+              </a:lnRef>
+              <a:fillRef idx="1">
+                <a:schemeClr val="accent1"/>
+              </a:fillRef>
+              <a:effectRef idx="0">
+                <a:schemeClr val="accent1"/>
+              </a:effectRef>
+              <a:fontRef idx="minor">
+                <a:schemeClr val="lt1"/>
+              </a:fontRef>
+            </p:style>
+            <p:txBody>
+              <a:bodyPr rtlCol="0" anchor="b"/>
+              <a:lstStyle/>
+              <a:p>
+                <a:pPr algn="r"/>
+                <a:r>
+                  <a:rPr lang="en-US" sz="1000" dirty="0"/>
+                  <a:t>INPUTS</a:t>
+                </a:r>
+              </a:p>
+            </p:txBody>
+          </p:sp>
+        </p:grpSp>
+        <p:sp>
+          <p:nvSpPr>
+            <p:cNvPr id="56" name="TextBox 55">
+              <a:extLst>
+                <a:ext uri="{FF2B5EF4-FFF2-40B4-BE49-F238E27FC236}">
+                  <a16:creationId xmlns:a16="http://schemas.microsoft.com/office/drawing/2014/main" id="{CEFDF511-7D3A-9CB9-B8A1-CCED0BC22074}"/>
+                </a:ext>
+              </a:extLst>
+            </p:cNvPr>
+            <p:cNvSpPr txBox="1"/>
+            <p:nvPr/>
+          </p:nvSpPr>
+          <p:spPr>
+            <a:xfrm>
+              <a:off x="759306" y="4035378"/>
+              <a:ext cx="850939" cy="464614"/>
+            </a:xfrm>
+            <a:prstGeom prst="rect">
+              <a:avLst/>
+            </a:prstGeom>
+            <a:noFill/>
+          </p:spPr>
+          <p:txBody>
+            <a:bodyPr wrap="none" rtlCol="0">
+              <a:spAutoFit/>
+            </a:bodyPr>
+            <a:lstStyle/>
+            <a:p>
               <a:r>
-                <a:rPr lang="en-US" sz="2000" dirty="0"/>
-                <a:t>B</a:t>
+                <a:rPr lang="en-US" dirty="0"/>
+                <a:t>YARD</a:t>
               </a:r>
             </a:p>
           </p:txBody>
         </p:sp>
         <p:sp>
           <p:nvSpPr>
-            <p:cNvPr id="109" name="Rectangle: Rounded Corners 108">
+            <p:cNvPr id="57" name="Rectangle 56">
               <a:extLst>
                 <a:ext uri="{FF2B5EF4-FFF2-40B4-BE49-F238E27FC236}">
-                  <a16:creationId xmlns:a16="http://schemas.microsoft.com/office/drawing/2014/main" id="{B86355B9-3DE2-36B9-AA22-8A5D607A8694}"/>
+                  <a16:creationId xmlns:a16="http://schemas.microsoft.com/office/drawing/2014/main" id="{38A48945-9AA8-ACC0-634F-7B90E3D4052B}"/>
                 </a:ext>
               </a:extLst>
             </p:cNvPr>
@@ -6261,27 +4763,30 @@
           </p:nvSpPr>
           <p:spPr>
             <a:xfrm>
-              <a:off x="8261964" y="1461342"/>
-              <a:ext cx="964885" cy="832147"/>
+              <a:off x="2547237" y="4035378"/>
+              <a:ext cx="1810450" cy="2585536"/>
             </a:xfrm>
-            <a:prstGeom prst="roundRect">
+            <a:prstGeom prst="rect">
               <a:avLst/>
             </a:prstGeom>
+            <a:ln>
+              <a:solidFill>
+                <a:schemeClr val="accent2"/>
+              </a:solidFill>
+            </a:ln>
           </p:spPr>
           <p:style>
             <a:lnRef idx="2">
-              <a:schemeClr val="accent1">
-                <a:shade val="15000"/>
-              </a:schemeClr>
+              <a:schemeClr val="accent6"/>
             </a:lnRef>
             <a:fillRef idx="1">
-              <a:schemeClr val="accent1"/>
+              <a:schemeClr val="lt1"/>
             </a:fillRef>
             <a:effectRef idx="0">
-              <a:schemeClr val="accent1"/>
+              <a:schemeClr val="accent6"/>
             </a:effectRef>
             <a:fontRef idx="minor">
-              <a:schemeClr val="lt1"/>
+              <a:schemeClr val="dk1"/>
             </a:fontRef>
           </p:style>
           <p:txBody>
@@ -6289,19 +4794,268 @@
             <a:lstStyle/>
             <a:p>
               <a:pPr algn="ctr"/>
+              <a:endParaRPr lang="en-US" dirty="0"/>
+            </a:p>
+          </p:txBody>
+        </p:sp>
+        <p:grpSp>
+          <p:nvGrpSpPr>
+            <p:cNvPr id="58" name="Group 57">
+              <a:extLst>
+                <a:ext uri="{FF2B5EF4-FFF2-40B4-BE49-F238E27FC236}">
+                  <a16:creationId xmlns:a16="http://schemas.microsoft.com/office/drawing/2014/main" id="{5C196A6F-F4F0-2F89-F680-C054C05B8C64}"/>
+                </a:ext>
+              </a:extLst>
+            </p:cNvPr>
+            <p:cNvGrpSpPr/>
+            <p:nvPr/>
+          </p:nvGrpSpPr>
+          <p:grpSpPr>
+            <a:xfrm>
+              <a:off x="2710364" y="4527365"/>
+              <a:ext cx="1484196" cy="1956589"/>
+              <a:chOff x="2869084" y="5308011"/>
+              <a:chExt cx="1484196" cy="1956589"/>
+            </a:xfrm>
+          </p:grpSpPr>
+          <p:sp>
+            <p:nvSpPr>
+              <p:cNvPr id="59" name="Rectangle 58">
+                <a:extLst>
+                  <a:ext uri="{FF2B5EF4-FFF2-40B4-BE49-F238E27FC236}">
+                    <a16:creationId xmlns:a16="http://schemas.microsoft.com/office/drawing/2014/main" id="{62AA14D3-09C6-F571-2328-C24B50B20B9C}"/>
+                  </a:ext>
+                </a:extLst>
+              </p:cNvPr>
+              <p:cNvSpPr/>
+              <p:nvPr/>
+            </p:nvSpPr>
+            <p:spPr>
+              <a:xfrm>
+                <a:off x="2869085" y="5308011"/>
+                <a:ext cx="1484195" cy="718614"/>
+              </a:xfrm>
+              <a:prstGeom prst="rect">
+                <a:avLst/>
+              </a:prstGeom>
+            </p:spPr>
+            <p:style>
+              <a:lnRef idx="2">
+                <a:schemeClr val="accent1">
+                  <a:shade val="15000"/>
+                </a:schemeClr>
+              </a:lnRef>
+              <a:fillRef idx="1">
+                <a:schemeClr val="accent1"/>
+              </a:fillRef>
+              <a:effectRef idx="0">
+                <a:schemeClr val="accent1"/>
+              </a:effectRef>
+              <a:fontRef idx="minor">
+                <a:schemeClr val="lt1"/>
+              </a:fontRef>
+            </p:style>
+            <p:txBody>
+              <a:bodyPr rtlCol="0" anchor="ctr"/>
+              <a:lstStyle/>
+              <a:p>
+                <a:pPr algn="ctr"/>
+                <a:r>
+                  <a:rPr lang="en-US" sz="1000" dirty="0"/>
+                  <a:t>CONTROLLER</a:t>
+                </a:r>
+              </a:p>
+            </p:txBody>
+          </p:sp>
+          <p:sp>
+            <p:nvSpPr>
+              <p:cNvPr id="60" name="Rectangle 59">
+                <a:extLst>
+                  <a:ext uri="{FF2B5EF4-FFF2-40B4-BE49-F238E27FC236}">
+                    <a16:creationId xmlns:a16="http://schemas.microsoft.com/office/drawing/2014/main" id="{F6B17FA7-C5B4-77E1-15AB-D9C197CF874D}"/>
+                  </a:ext>
+                </a:extLst>
+              </p:cNvPr>
+              <p:cNvSpPr/>
+              <p:nvPr/>
+            </p:nvSpPr>
+            <p:spPr>
+              <a:xfrm>
+                <a:off x="3234163" y="6545986"/>
+                <a:ext cx="1119117" cy="718614"/>
+              </a:xfrm>
+              <a:prstGeom prst="rect">
+                <a:avLst/>
+              </a:prstGeom>
+            </p:spPr>
+            <p:style>
+              <a:lnRef idx="2">
+                <a:schemeClr val="accent1">
+                  <a:shade val="15000"/>
+                </a:schemeClr>
+              </a:lnRef>
+              <a:fillRef idx="1">
+                <a:schemeClr val="accent1"/>
+              </a:fillRef>
+              <a:effectRef idx="0">
+                <a:schemeClr val="accent1"/>
+              </a:effectRef>
+              <a:fontRef idx="minor">
+                <a:schemeClr val="lt1"/>
+              </a:fontRef>
+            </p:style>
+            <p:txBody>
+              <a:bodyPr rtlCol="0" anchor="b"/>
+              <a:lstStyle/>
+              <a:p>
+                <a:pPr algn="r"/>
+                <a:r>
+                  <a:rPr lang="en-US" sz="1000" dirty="0"/>
+                  <a:t>PROCESSING</a:t>
+                </a:r>
+              </a:p>
+            </p:txBody>
+          </p:sp>
+          <p:sp>
+            <p:nvSpPr>
+              <p:cNvPr id="61" name="Rectangle 60">
+                <a:extLst>
+                  <a:ext uri="{FF2B5EF4-FFF2-40B4-BE49-F238E27FC236}">
+                    <a16:creationId xmlns:a16="http://schemas.microsoft.com/office/drawing/2014/main" id="{827CE890-249A-0C74-9172-1C8C351546E1}"/>
+                  </a:ext>
+                </a:extLst>
+              </p:cNvPr>
+              <p:cNvSpPr/>
+              <p:nvPr/>
+            </p:nvSpPr>
+            <p:spPr>
+              <a:xfrm>
+                <a:off x="3046504" y="6328045"/>
+                <a:ext cx="1119117" cy="718614"/>
+              </a:xfrm>
+              <a:prstGeom prst="rect">
+                <a:avLst/>
+              </a:prstGeom>
+            </p:spPr>
+            <p:style>
+              <a:lnRef idx="2">
+                <a:schemeClr val="accent1">
+                  <a:shade val="15000"/>
+                </a:schemeClr>
+              </a:lnRef>
+              <a:fillRef idx="1">
+                <a:schemeClr val="accent1"/>
+              </a:fillRef>
+              <a:effectRef idx="0">
+                <a:schemeClr val="accent1"/>
+              </a:effectRef>
+              <a:fontRef idx="minor">
+                <a:schemeClr val="lt1"/>
+              </a:fontRef>
+            </p:style>
+            <p:txBody>
+              <a:bodyPr rtlCol="0" anchor="b"/>
+              <a:lstStyle/>
+              <a:p>
+                <a:pPr algn="r"/>
+                <a:r>
+                  <a:rPr lang="en-US" sz="1000" dirty="0"/>
+                  <a:t>OUTPUTS</a:t>
+                </a:r>
+              </a:p>
+            </p:txBody>
+          </p:sp>
+          <p:sp>
+            <p:nvSpPr>
+              <p:cNvPr id="62" name="Rectangle 61">
+                <a:extLst>
+                  <a:ext uri="{FF2B5EF4-FFF2-40B4-BE49-F238E27FC236}">
+                    <a16:creationId xmlns:a16="http://schemas.microsoft.com/office/drawing/2014/main" id="{EDB11460-55A9-560E-49AE-2A029812A0BA}"/>
+                  </a:ext>
+                </a:extLst>
+              </p:cNvPr>
+              <p:cNvSpPr/>
+              <p:nvPr/>
+            </p:nvSpPr>
+            <p:spPr>
+              <a:xfrm>
+                <a:off x="2869084" y="6110104"/>
+                <a:ext cx="1119117" cy="718614"/>
+              </a:xfrm>
+              <a:prstGeom prst="rect">
+                <a:avLst/>
+              </a:prstGeom>
+            </p:spPr>
+            <p:style>
+              <a:lnRef idx="2">
+                <a:schemeClr val="accent1">
+                  <a:shade val="15000"/>
+                </a:schemeClr>
+              </a:lnRef>
+              <a:fillRef idx="1">
+                <a:schemeClr val="accent1"/>
+              </a:fillRef>
+              <a:effectRef idx="0">
+                <a:schemeClr val="accent1"/>
+              </a:effectRef>
+              <a:fontRef idx="minor">
+                <a:schemeClr val="lt1"/>
+              </a:fontRef>
+            </p:style>
+            <p:txBody>
+              <a:bodyPr rtlCol="0" anchor="b"/>
+              <a:lstStyle/>
+              <a:p>
+                <a:pPr algn="r"/>
+                <a:r>
+                  <a:rPr lang="en-US" sz="1000" dirty="0"/>
+                  <a:t>INPUTS</a:t>
+                </a:r>
+              </a:p>
+            </p:txBody>
+          </p:sp>
+        </p:grpSp>
+        <p:sp>
+          <p:nvSpPr>
+            <p:cNvPr id="63" name="TextBox 62">
+              <a:extLst>
+                <a:ext uri="{FF2B5EF4-FFF2-40B4-BE49-F238E27FC236}">
+                  <a16:creationId xmlns:a16="http://schemas.microsoft.com/office/drawing/2014/main" id="{BEAB22E8-DF8B-FF7C-D8D0-A86B140B2490}"/>
+                </a:ext>
+              </a:extLst>
+            </p:cNvPr>
+            <p:cNvSpPr txBox="1"/>
+            <p:nvPr/>
+          </p:nvSpPr>
+          <p:spPr>
+            <a:xfrm>
+              <a:off x="2732883" y="4035378"/>
+              <a:ext cx="1269899" cy="464614"/>
+            </a:xfrm>
+            <a:prstGeom prst="rect">
+              <a:avLst/>
+            </a:prstGeom>
+            <a:noFill/>
+          </p:spPr>
+          <p:txBody>
+            <a:bodyPr wrap="none" rtlCol="0">
+              <a:spAutoFit/>
+            </a:bodyPr>
+            <a:lstStyle/>
+            <a:p>
               <a:r>
-                <a:rPr lang="en-US" sz="2000" dirty="0"/>
-                <a:t>C</a:t>
+                <a:rPr lang="en-US" dirty="0"/>
+                <a:t>GARDEN</a:t>
               </a:r>
             </a:p>
           </p:txBody>
         </p:sp>
         <p:sp>
           <p:nvSpPr>
-            <p:cNvPr id="110" name="Rectangle: Rounded Corners 109">
+            <p:cNvPr id="64" name="Rectangle 63">
               <a:extLst>
                 <a:ext uri="{FF2B5EF4-FFF2-40B4-BE49-F238E27FC236}">
-                  <a16:creationId xmlns:a16="http://schemas.microsoft.com/office/drawing/2014/main" id="{E61655AF-0256-9085-1CB1-E74814795E22}"/>
+                  <a16:creationId xmlns:a16="http://schemas.microsoft.com/office/drawing/2014/main" id="{9CBBF5AF-BC0D-10D3-D507-D6C1FAF6192D}"/>
                 </a:ext>
               </a:extLst>
             </p:cNvPr>
@@ -6310,27 +5064,30 @@
           </p:nvSpPr>
           <p:spPr>
             <a:xfrm>
-              <a:off x="9851962" y="1461342"/>
-              <a:ext cx="964885" cy="832147"/>
+              <a:off x="4520814" y="4035378"/>
+              <a:ext cx="1810450" cy="2585536"/>
             </a:xfrm>
-            <a:prstGeom prst="roundRect">
+            <a:prstGeom prst="rect">
               <a:avLst/>
             </a:prstGeom>
+            <a:ln>
+              <a:solidFill>
+                <a:schemeClr val="accent2"/>
+              </a:solidFill>
+            </a:ln>
           </p:spPr>
           <p:style>
             <a:lnRef idx="2">
-              <a:schemeClr val="accent1">
-                <a:shade val="15000"/>
-              </a:schemeClr>
+              <a:schemeClr val="accent6"/>
             </a:lnRef>
             <a:fillRef idx="1">
-              <a:schemeClr val="accent1"/>
+              <a:schemeClr val="lt1"/>
             </a:fillRef>
             <a:effectRef idx="0">
-              <a:schemeClr val="accent1"/>
+              <a:schemeClr val="accent6"/>
             </a:effectRef>
             <a:fontRef idx="minor">
-              <a:schemeClr val="lt1"/>
+              <a:schemeClr val="dk1"/>
             </a:fontRef>
           </p:style>
           <p:txBody>
@@ -6338,34 +5095,906 @@
             <a:lstStyle/>
             <a:p>
               <a:pPr algn="ctr"/>
+              <a:endParaRPr lang="en-US" dirty="0"/>
+            </a:p>
+          </p:txBody>
+        </p:sp>
+        <p:grpSp>
+          <p:nvGrpSpPr>
+            <p:cNvPr id="65" name="Group 64">
+              <a:extLst>
+                <a:ext uri="{FF2B5EF4-FFF2-40B4-BE49-F238E27FC236}">
+                  <a16:creationId xmlns:a16="http://schemas.microsoft.com/office/drawing/2014/main" id="{3ED57BB7-18C2-FCD6-C7AA-30F54F6EE3DF}"/>
+                </a:ext>
+              </a:extLst>
+            </p:cNvPr>
+            <p:cNvGrpSpPr/>
+            <p:nvPr/>
+          </p:nvGrpSpPr>
+          <p:grpSpPr>
+            <a:xfrm>
+              <a:off x="4683941" y="4527365"/>
+              <a:ext cx="1484196" cy="1956589"/>
+              <a:chOff x="2869084" y="5308011"/>
+              <a:chExt cx="1484196" cy="1956589"/>
+            </a:xfrm>
+          </p:grpSpPr>
+          <p:sp>
+            <p:nvSpPr>
+              <p:cNvPr id="66" name="Rectangle 65">
+                <a:extLst>
+                  <a:ext uri="{FF2B5EF4-FFF2-40B4-BE49-F238E27FC236}">
+                    <a16:creationId xmlns:a16="http://schemas.microsoft.com/office/drawing/2014/main" id="{45E0D441-4A60-4450-0D33-B0EAE273ECCD}"/>
+                  </a:ext>
+                </a:extLst>
+              </p:cNvPr>
+              <p:cNvSpPr/>
+              <p:nvPr/>
+            </p:nvSpPr>
+            <p:spPr>
+              <a:xfrm>
+                <a:off x="2869085" y="5308011"/>
+                <a:ext cx="1484195" cy="718614"/>
+              </a:xfrm>
+              <a:prstGeom prst="rect">
+                <a:avLst/>
+              </a:prstGeom>
+            </p:spPr>
+            <p:style>
+              <a:lnRef idx="2">
+                <a:schemeClr val="accent1">
+                  <a:shade val="15000"/>
+                </a:schemeClr>
+              </a:lnRef>
+              <a:fillRef idx="1">
+                <a:schemeClr val="accent1"/>
+              </a:fillRef>
+              <a:effectRef idx="0">
+                <a:schemeClr val="accent1"/>
+              </a:effectRef>
+              <a:fontRef idx="minor">
+                <a:schemeClr val="lt1"/>
+              </a:fontRef>
+            </p:style>
+            <p:txBody>
+              <a:bodyPr rtlCol="0" anchor="ctr"/>
+              <a:lstStyle/>
+              <a:p>
+                <a:pPr algn="ctr"/>
+                <a:r>
+                  <a:rPr lang="en-US" sz="1000" dirty="0"/>
+                  <a:t>CONTROLLER</a:t>
+                </a:r>
+              </a:p>
+            </p:txBody>
+          </p:sp>
+          <p:sp>
+            <p:nvSpPr>
+              <p:cNvPr id="67" name="Rectangle 66">
+                <a:extLst>
+                  <a:ext uri="{FF2B5EF4-FFF2-40B4-BE49-F238E27FC236}">
+                    <a16:creationId xmlns:a16="http://schemas.microsoft.com/office/drawing/2014/main" id="{B5F45A2C-C241-72FB-1669-CDEE7012ABC6}"/>
+                  </a:ext>
+                </a:extLst>
+              </p:cNvPr>
+              <p:cNvSpPr/>
+              <p:nvPr/>
+            </p:nvSpPr>
+            <p:spPr>
+              <a:xfrm>
+                <a:off x="3234163" y="6545986"/>
+                <a:ext cx="1119117" cy="718614"/>
+              </a:xfrm>
+              <a:prstGeom prst="rect">
+                <a:avLst/>
+              </a:prstGeom>
+            </p:spPr>
+            <p:style>
+              <a:lnRef idx="2">
+                <a:schemeClr val="accent1">
+                  <a:shade val="15000"/>
+                </a:schemeClr>
+              </a:lnRef>
+              <a:fillRef idx="1">
+                <a:schemeClr val="accent1"/>
+              </a:fillRef>
+              <a:effectRef idx="0">
+                <a:schemeClr val="accent1"/>
+              </a:effectRef>
+              <a:fontRef idx="minor">
+                <a:schemeClr val="lt1"/>
+              </a:fontRef>
+            </p:style>
+            <p:txBody>
+              <a:bodyPr rtlCol="0" anchor="b"/>
+              <a:lstStyle/>
+              <a:p>
+                <a:pPr algn="r"/>
+                <a:r>
+                  <a:rPr lang="en-US" sz="1000" dirty="0"/>
+                  <a:t>PROCESSING</a:t>
+                </a:r>
+              </a:p>
+            </p:txBody>
+          </p:sp>
+          <p:sp>
+            <p:nvSpPr>
+              <p:cNvPr id="68" name="Rectangle 67">
+                <a:extLst>
+                  <a:ext uri="{FF2B5EF4-FFF2-40B4-BE49-F238E27FC236}">
+                    <a16:creationId xmlns:a16="http://schemas.microsoft.com/office/drawing/2014/main" id="{7E935A21-50B8-10FC-203B-A13F2981D499}"/>
+                  </a:ext>
+                </a:extLst>
+              </p:cNvPr>
+              <p:cNvSpPr/>
+              <p:nvPr/>
+            </p:nvSpPr>
+            <p:spPr>
+              <a:xfrm>
+                <a:off x="3046504" y="6328045"/>
+                <a:ext cx="1119117" cy="718614"/>
+              </a:xfrm>
+              <a:prstGeom prst="rect">
+                <a:avLst/>
+              </a:prstGeom>
+            </p:spPr>
+            <p:style>
+              <a:lnRef idx="2">
+                <a:schemeClr val="accent1">
+                  <a:shade val="15000"/>
+                </a:schemeClr>
+              </a:lnRef>
+              <a:fillRef idx="1">
+                <a:schemeClr val="accent1"/>
+              </a:fillRef>
+              <a:effectRef idx="0">
+                <a:schemeClr val="accent1"/>
+              </a:effectRef>
+              <a:fontRef idx="minor">
+                <a:schemeClr val="lt1"/>
+              </a:fontRef>
+            </p:style>
+            <p:txBody>
+              <a:bodyPr rtlCol="0" anchor="b"/>
+              <a:lstStyle/>
+              <a:p>
+                <a:pPr algn="r"/>
+                <a:r>
+                  <a:rPr lang="en-US" sz="1000" dirty="0"/>
+                  <a:t>OUTPUTS</a:t>
+                </a:r>
+              </a:p>
+            </p:txBody>
+          </p:sp>
+          <p:sp>
+            <p:nvSpPr>
+              <p:cNvPr id="69" name="Rectangle 68">
+                <a:extLst>
+                  <a:ext uri="{FF2B5EF4-FFF2-40B4-BE49-F238E27FC236}">
+                    <a16:creationId xmlns:a16="http://schemas.microsoft.com/office/drawing/2014/main" id="{FBAE87CB-AA7E-AD56-B475-920F814B1072}"/>
+                  </a:ext>
+                </a:extLst>
+              </p:cNvPr>
+              <p:cNvSpPr/>
+              <p:nvPr/>
+            </p:nvSpPr>
+            <p:spPr>
+              <a:xfrm>
+                <a:off x="2869084" y="6110104"/>
+                <a:ext cx="1119117" cy="718614"/>
+              </a:xfrm>
+              <a:prstGeom prst="rect">
+                <a:avLst/>
+              </a:prstGeom>
+            </p:spPr>
+            <p:style>
+              <a:lnRef idx="2">
+                <a:schemeClr val="accent1">
+                  <a:shade val="15000"/>
+                </a:schemeClr>
+              </a:lnRef>
+              <a:fillRef idx="1">
+                <a:schemeClr val="accent1"/>
+              </a:fillRef>
+              <a:effectRef idx="0">
+                <a:schemeClr val="accent1"/>
+              </a:effectRef>
+              <a:fontRef idx="minor">
+                <a:schemeClr val="lt1"/>
+              </a:fontRef>
+            </p:style>
+            <p:txBody>
+              <a:bodyPr rtlCol="0" anchor="b"/>
+              <a:lstStyle/>
+              <a:p>
+                <a:pPr algn="r"/>
+                <a:r>
+                  <a:rPr lang="en-US" sz="1000" dirty="0"/>
+                  <a:t>INPUTS</a:t>
+                </a:r>
+              </a:p>
+            </p:txBody>
+          </p:sp>
+        </p:grpSp>
+        <p:sp>
+          <p:nvSpPr>
+            <p:cNvPr id="70" name="TextBox 69">
+              <a:extLst>
+                <a:ext uri="{FF2B5EF4-FFF2-40B4-BE49-F238E27FC236}">
+                  <a16:creationId xmlns:a16="http://schemas.microsoft.com/office/drawing/2014/main" id="{B69825DB-0531-25DD-6A6C-AFC8C56A1052}"/>
+                </a:ext>
+              </a:extLst>
+            </p:cNvPr>
+            <p:cNvSpPr txBox="1"/>
+            <p:nvPr/>
+          </p:nvSpPr>
+          <p:spPr>
+            <a:xfrm>
+              <a:off x="4706460" y="4035378"/>
+              <a:ext cx="885179" cy="464614"/>
+            </a:xfrm>
+            <a:prstGeom prst="rect">
+              <a:avLst/>
+            </a:prstGeom>
+            <a:noFill/>
+          </p:spPr>
+          <p:txBody>
+            <a:bodyPr wrap="none" rtlCol="0">
+              <a:spAutoFit/>
+            </a:bodyPr>
+            <a:lstStyle/>
+            <a:p>
               <a:r>
-                <a:rPr lang="en-US" sz="2000" dirty="0"/>
-                <a:t>…</a:t>
+                <a:rPr lang="en-US" dirty="0"/>
+                <a:t>POOL</a:t>
               </a:r>
             </a:p>
           </p:txBody>
         </p:sp>
-      </p:grpSp>
-      <p:grpSp>
-        <p:nvGrpSpPr>
-          <p:cNvPr id="113" name="Group 112">
-            <a:extLst>
-              <a:ext uri="{FF2B5EF4-FFF2-40B4-BE49-F238E27FC236}">
-                <a16:creationId xmlns:a16="http://schemas.microsoft.com/office/drawing/2014/main" id="{FC24B5A0-EB78-2380-4B8E-062D33C0682D}"/>
-              </a:ext>
-            </a:extLst>
-          </p:cNvPr>
-          <p:cNvGrpSpPr/>
-          <p:nvPr/>
-        </p:nvGrpSpPr>
-        <p:grpSpPr>
-          <a:xfrm>
-            <a:off x="568540" y="6701895"/>
-            <a:ext cx="1810450" cy="2585536"/>
-            <a:chOff x="794270" y="4564586"/>
-            <a:chExt cx="1810450" cy="2585536"/>
-          </a:xfrm>
-        </p:grpSpPr>
+        <p:sp>
+          <p:nvSpPr>
+            <p:cNvPr id="71" name="Rectangle 70">
+              <a:extLst>
+                <a:ext uri="{FF2B5EF4-FFF2-40B4-BE49-F238E27FC236}">
+                  <a16:creationId xmlns:a16="http://schemas.microsoft.com/office/drawing/2014/main" id="{6BA6F6F6-C0F3-A757-4184-BEFEE3D3E98F}"/>
+                </a:ext>
+              </a:extLst>
+            </p:cNvPr>
+            <p:cNvSpPr/>
+            <p:nvPr/>
+          </p:nvSpPr>
+          <p:spPr>
+            <a:xfrm>
+              <a:off x="6494391" y="4035378"/>
+              <a:ext cx="1810450" cy="2585536"/>
+            </a:xfrm>
+            <a:prstGeom prst="rect">
+              <a:avLst/>
+            </a:prstGeom>
+            <a:ln>
+              <a:solidFill>
+                <a:schemeClr val="accent2"/>
+              </a:solidFill>
+            </a:ln>
+          </p:spPr>
+          <p:style>
+            <a:lnRef idx="2">
+              <a:schemeClr val="accent6"/>
+            </a:lnRef>
+            <a:fillRef idx="1">
+              <a:schemeClr val="lt1"/>
+            </a:fillRef>
+            <a:effectRef idx="0">
+              <a:schemeClr val="accent6"/>
+            </a:effectRef>
+            <a:fontRef idx="minor">
+              <a:schemeClr val="dk1"/>
+            </a:fontRef>
+          </p:style>
+          <p:txBody>
+            <a:bodyPr rtlCol="0" anchor="ctr"/>
+            <a:lstStyle/>
+            <a:p>
+              <a:pPr algn="ctr"/>
+              <a:endParaRPr lang="en-US" dirty="0"/>
+            </a:p>
+          </p:txBody>
+        </p:sp>
+        <p:grpSp>
+          <p:nvGrpSpPr>
+            <p:cNvPr id="72" name="Group 71">
+              <a:extLst>
+                <a:ext uri="{FF2B5EF4-FFF2-40B4-BE49-F238E27FC236}">
+                  <a16:creationId xmlns:a16="http://schemas.microsoft.com/office/drawing/2014/main" id="{8B84DED3-C4BC-3671-0778-2604DA97E1DA}"/>
+                </a:ext>
+              </a:extLst>
+            </p:cNvPr>
+            <p:cNvGrpSpPr/>
+            <p:nvPr/>
+          </p:nvGrpSpPr>
+          <p:grpSpPr>
+            <a:xfrm>
+              <a:off x="6657518" y="4527365"/>
+              <a:ext cx="1484196" cy="1956589"/>
+              <a:chOff x="2869084" y="5308011"/>
+              <a:chExt cx="1484196" cy="1956589"/>
+            </a:xfrm>
+          </p:grpSpPr>
+          <p:sp>
+            <p:nvSpPr>
+              <p:cNvPr id="73" name="Rectangle 72">
+                <a:extLst>
+                  <a:ext uri="{FF2B5EF4-FFF2-40B4-BE49-F238E27FC236}">
+                    <a16:creationId xmlns:a16="http://schemas.microsoft.com/office/drawing/2014/main" id="{190E7EDA-3867-4292-FB53-24EB4919C8D4}"/>
+                  </a:ext>
+                </a:extLst>
+              </p:cNvPr>
+              <p:cNvSpPr/>
+              <p:nvPr/>
+            </p:nvSpPr>
+            <p:spPr>
+              <a:xfrm>
+                <a:off x="2869085" y="5308011"/>
+                <a:ext cx="1484195" cy="718614"/>
+              </a:xfrm>
+              <a:prstGeom prst="rect">
+                <a:avLst/>
+              </a:prstGeom>
+            </p:spPr>
+            <p:style>
+              <a:lnRef idx="2">
+                <a:schemeClr val="accent1">
+                  <a:shade val="15000"/>
+                </a:schemeClr>
+              </a:lnRef>
+              <a:fillRef idx="1">
+                <a:schemeClr val="accent1"/>
+              </a:fillRef>
+              <a:effectRef idx="0">
+                <a:schemeClr val="accent1"/>
+              </a:effectRef>
+              <a:fontRef idx="minor">
+                <a:schemeClr val="lt1"/>
+              </a:fontRef>
+            </p:style>
+            <p:txBody>
+              <a:bodyPr rtlCol="0" anchor="ctr"/>
+              <a:lstStyle/>
+              <a:p>
+                <a:pPr algn="ctr"/>
+                <a:r>
+                  <a:rPr lang="en-US" sz="1000" dirty="0"/>
+                  <a:t>CONTROLLER</a:t>
+                </a:r>
+              </a:p>
+            </p:txBody>
+          </p:sp>
+          <p:sp>
+            <p:nvSpPr>
+              <p:cNvPr id="74" name="Rectangle 73">
+                <a:extLst>
+                  <a:ext uri="{FF2B5EF4-FFF2-40B4-BE49-F238E27FC236}">
+                    <a16:creationId xmlns:a16="http://schemas.microsoft.com/office/drawing/2014/main" id="{9BD962FA-329A-1797-DE2C-279B4509C1D4}"/>
+                  </a:ext>
+                </a:extLst>
+              </p:cNvPr>
+              <p:cNvSpPr/>
+              <p:nvPr/>
+            </p:nvSpPr>
+            <p:spPr>
+              <a:xfrm>
+                <a:off x="3234163" y="6545986"/>
+                <a:ext cx="1119117" cy="718614"/>
+              </a:xfrm>
+              <a:prstGeom prst="rect">
+                <a:avLst/>
+              </a:prstGeom>
+            </p:spPr>
+            <p:style>
+              <a:lnRef idx="2">
+                <a:schemeClr val="accent1">
+                  <a:shade val="15000"/>
+                </a:schemeClr>
+              </a:lnRef>
+              <a:fillRef idx="1">
+                <a:schemeClr val="accent1"/>
+              </a:fillRef>
+              <a:effectRef idx="0">
+                <a:schemeClr val="accent1"/>
+              </a:effectRef>
+              <a:fontRef idx="minor">
+                <a:schemeClr val="lt1"/>
+              </a:fontRef>
+            </p:style>
+            <p:txBody>
+              <a:bodyPr rtlCol="0" anchor="b"/>
+              <a:lstStyle/>
+              <a:p>
+                <a:pPr algn="r"/>
+                <a:r>
+                  <a:rPr lang="en-US" sz="1000" dirty="0"/>
+                  <a:t>PROCESSING</a:t>
+                </a:r>
+              </a:p>
+            </p:txBody>
+          </p:sp>
+          <p:sp>
+            <p:nvSpPr>
+              <p:cNvPr id="75" name="Rectangle 74">
+                <a:extLst>
+                  <a:ext uri="{FF2B5EF4-FFF2-40B4-BE49-F238E27FC236}">
+                    <a16:creationId xmlns:a16="http://schemas.microsoft.com/office/drawing/2014/main" id="{A6D5033B-4E18-1B8C-A345-C729D23D2582}"/>
+                  </a:ext>
+                </a:extLst>
+              </p:cNvPr>
+              <p:cNvSpPr/>
+              <p:nvPr/>
+            </p:nvSpPr>
+            <p:spPr>
+              <a:xfrm>
+                <a:off x="3046504" y="6328045"/>
+                <a:ext cx="1119117" cy="718614"/>
+              </a:xfrm>
+              <a:prstGeom prst="rect">
+                <a:avLst/>
+              </a:prstGeom>
+            </p:spPr>
+            <p:style>
+              <a:lnRef idx="2">
+                <a:schemeClr val="accent1">
+                  <a:shade val="15000"/>
+                </a:schemeClr>
+              </a:lnRef>
+              <a:fillRef idx="1">
+                <a:schemeClr val="accent1"/>
+              </a:fillRef>
+              <a:effectRef idx="0">
+                <a:schemeClr val="accent1"/>
+              </a:effectRef>
+              <a:fontRef idx="minor">
+                <a:schemeClr val="lt1"/>
+              </a:fontRef>
+            </p:style>
+            <p:txBody>
+              <a:bodyPr rtlCol="0" anchor="b"/>
+              <a:lstStyle/>
+              <a:p>
+                <a:pPr algn="r"/>
+                <a:r>
+                  <a:rPr lang="en-US" sz="1000" dirty="0"/>
+                  <a:t>OUTPUTS</a:t>
+                </a:r>
+              </a:p>
+            </p:txBody>
+          </p:sp>
+          <p:sp>
+            <p:nvSpPr>
+              <p:cNvPr id="76" name="Rectangle 75">
+                <a:extLst>
+                  <a:ext uri="{FF2B5EF4-FFF2-40B4-BE49-F238E27FC236}">
+                    <a16:creationId xmlns:a16="http://schemas.microsoft.com/office/drawing/2014/main" id="{E4ACAF3C-D911-2536-ED39-C9FEEC0FCBB1}"/>
+                  </a:ext>
+                </a:extLst>
+              </p:cNvPr>
+              <p:cNvSpPr/>
+              <p:nvPr/>
+            </p:nvSpPr>
+            <p:spPr>
+              <a:xfrm>
+                <a:off x="2869084" y="6110104"/>
+                <a:ext cx="1119117" cy="718614"/>
+              </a:xfrm>
+              <a:prstGeom prst="rect">
+                <a:avLst/>
+              </a:prstGeom>
+            </p:spPr>
+            <p:style>
+              <a:lnRef idx="2">
+                <a:schemeClr val="accent1">
+                  <a:shade val="15000"/>
+                </a:schemeClr>
+              </a:lnRef>
+              <a:fillRef idx="1">
+                <a:schemeClr val="accent1"/>
+              </a:fillRef>
+              <a:effectRef idx="0">
+                <a:schemeClr val="accent1"/>
+              </a:effectRef>
+              <a:fontRef idx="minor">
+                <a:schemeClr val="lt1"/>
+              </a:fontRef>
+            </p:style>
+            <p:txBody>
+              <a:bodyPr rtlCol="0" anchor="b"/>
+              <a:lstStyle/>
+              <a:p>
+                <a:pPr algn="r"/>
+                <a:r>
+                  <a:rPr lang="en-US" sz="1000" dirty="0"/>
+                  <a:t>INPUTS</a:t>
+                </a:r>
+              </a:p>
+            </p:txBody>
+          </p:sp>
+        </p:grpSp>
+        <p:sp>
+          <p:nvSpPr>
+            <p:cNvPr id="77" name="TextBox 76">
+              <a:extLst>
+                <a:ext uri="{FF2B5EF4-FFF2-40B4-BE49-F238E27FC236}">
+                  <a16:creationId xmlns:a16="http://schemas.microsoft.com/office/drawing/2014/main" id="{D9B59DD3-9A89-F48E-78BA-D0ADC9B781B3}"/>
+                </a:ext>
+              </a:extLst>
+            </p:cNvPr>
+            <p:cNvSpPr txBox="1"/>
+            <p:nvPr/>
+          </p:nvSpPr>
+          <p:spPr>
+            <a:xfrm>
+              <a:off x="6680037" y="4035378"/>
+              <a:ext cx="911788" cy="464614"/>
+            </a:xfrm>
+            <a:prstGeom prst="rect">
+              <a:avLst/>
+            </a:prstGeom>
+            <a:noFill/>
+          </p:spPr>
+          <p:txBody>
+            <a:bodyPr wrap="none" rtlCol="0">
+              <a:spAutoFit/>
+            </a:bodyPr>
+            <a:lstStyle/>
+            <a:p>
+              <a:r>
+                <a:rPr lang="en-US" dirty="0"/>
+                <a:t>PATIO</a:t>
+              </a:r>
+            </a:p>
+          </p:txBody>
+        </p:sp>
+        <p:sp>
+          <p:nvSpPr>
+            <p:cNvPr id="78" name="Rectangle 77">
+              <a:extLst>
+                <a:ext uri="{FF2B5EF4-FFF2-40B4-BE49-F238E27FC236}">
+                  <a16:creationId xmlns:a16="http://schemas.microsoft.com/office/drawing/2014/main" id="{F5115C9A-7D20-34CA-17F0-83FF37F9F2A1}"/>
+                </a:ext>
+              </a:extLst>
+            </p:cNvPr>
+            <p:cNvSpPr/>
+            <p:nvPr/>
+          </p:nvSpPr>
+          <p:spPr>
+            <a:xfrm>
+              <a:off x="8467968" y="4035378"/>
+              <a:ext cx="1810450" cy="2585536"/>
+            </a:xfrm>
+            <a:prstGeom prst="rect">
+              <a:avLst/>
+            </a:prstGeom>
+            <a:ln>
+              <a:solidFill>
+                <a:schemeClr val="accent2"/>
+              </a:solidFill>
+            </a:ln>
+          </p:spPr>
+          <p:style>
+            <a:lnRef idx="2">
+              <a:schemeClr val="accent6"/>
+            </a:lnRef>
+            <a:fillRef idx="1">
+              <a:schemeClr val="lt1"/>
+            </a:fillRef>
+            <a:effectRef idx="0">
+              <a:schemeClr val="accent6"/>
+            </a:effectRef>
+            <a:fontRef idx="minor">
+              <a:schemeClr val="dk1"/>
+            </a:fontRef>
+          </p:style>
+          <p:txBody>
+            <a:bodyPr rtlCol="0" anchor="ctr"/>
+            <a:lstStyle/>
+            <a:p>
+              <a:pPr algn="ctr"/>
+              <a:endParaRPr lang="en-US" dirty="0"/>
+            </a:p>
+          </p:txBody>
+        </p:sp>
+        <p:grpSp>
+          <p:nvGrpSpPr>
+            <p:cNvPr id="79" name="Group 78">
+              <a:extLst>
+                <a:ext uri="{FF2B5EF4-FFF2-40B4-BE49-F238E27FC236}">
+                  <a16:creationId xmlns:a16="http://schemas.microsoft.com/office/drawing/2014/main" id="{DF6301B1-8791-4C64-DF5F-6662A2C17CC2}"/>
+                </a:ext>
+              </a:extLst>
+            </p:cNvPr>
+            <p:cNvGrpSpPr/>
+            <p:nvPr/>
+          </p:nvGrpSpPr>
+          <p:grpSpPr>
+            <a:xfrm>
+              <a:off x="8631095" y="4527365"/>
+              <a:ext cx="1484196" cy="1956589"/>
+              <a:chOff x="2869084" y="5308011"/>
+              <a:chExt cx="1484196" cy="1956589"/>
+            </a:xfrm>
+          </p:grpSpPr>
+          <p:sp>
+            <p:nvSpPr>
+              <p:cNvPr id="80" name="Rectangle 79">
+                <a:extLst>
+                  <a:ext uri="{FF2B5EF4-FFF2-40B4-BE49-F238E27FC236}">
+                    <a16:creationId xmlns:a16="http://schemas.microsoft.com/office/drawing/2014/main" id="{976E6E6F-6373-5F2E-2284-2602FE2B3519}"/>
+                  </a:ext>
+                </a:extLst>
+              </p:cNvPr>
+              <p:cNvSpPr/>
+              <p:nvPr/>
+            </p:nvSpPr>
+            <p:spPr>
+              <a:xfrm>
+                <a:off x="2869085" y="5308011"/>
+                <a:ext cx="1484195" cy="718614"/>
+              </a:xfrm>
+              <a:prstGeom prst="rect">
+                <a:avLst/>
+              </a:prstGeom>
+            </p:spPr>
+            <p:style>
+              <a:lnRef idx="2">
+                <a:schemeClr val="accent1">
+                  <a:shade val="15000"/>
+                </a:schemeClr>
+              </a:lnRef>
+              <a:fillRef idx="1">
+                <a:schemeClr val="accent1"/>
+              </a:fillRef>
+              <a:effectRef idx="0">
+                <a:schemeClr val="accent1"/>
+              </a:effectRef>
+              <a:fontRef idx="minor">
+                <a:schemeClr val="lt1"/>
+              </a:fontRef>
+            </p:style>
+            <p:txBody>
+              <a:bodyPr rtlCol="0" anchor="ctr"/>
+              <a:lstStyle/>
+              <a:p>
+                <a:pPr algn="ctr"/>
+                <a:r>
+                  <a:rPr lang="en-US" sz="1000" dirty="0"/>
+                  <a:t>CONTROLLER</a:t>
+                </a:r>
+              </a:p>
+            </p:txBody>
+          </p:sp>
+          <p:sp>
+            <p:nvSpPr>
+              <p:cNvPr id="81" name="Rectangle 80">
+                <a:extLst>
+                  <a:ext uri="{FF2B5EF4-FFF2-40B4-BE49-F238E27FC236}">
+                    <a16:creationId xmlns:a16="http://schemas.microsoft.com/office/drawing/2014/main" id="{9C19901E-8739-B01B-DA26-C05C52A0B76C}"/>
+                  </a:ext>
+                </a:extLst>
+              </p:cNvPr>
+              <p:cNvSpPr/>
+              <p:nvPr/>
+            </p:nvSpPr>
+            <p:spPr>
+              <a:xfrm>
+                <a:off x="3234163" y="6545986"/>
+                <a:ext cx="1119117" cy="718614"/>
+              </a:xfrm>
+              <a:prstGeom prst="rect">
+                <a:avLst/>
+              </a:prstGeom>
+            </p:spPr>
+            <p:style>
+              <a:lnRef idx="2">
+                <a:schemeClr val="accent1">
+                  <a:shade val="15000"/>
+                </a:schemeClr>
+              </a:lnRef>
+              <a:fillRef idx="1">
+                <a:schemeClr val="accent1"/>
+              </a:fillRef>
+              <a:effectRef idx="0">
+                <a:schemeClr val="accent1"/>
+              </a:effectRef>
+              <a:fontRef idx="minor">
+                <a:schemeClr val="lt1"/>
+              </a:fontRef>
+            </p:style>
+            <p:txBody>
+              <a:bodyPr rtlCol="0" anchor="b"/>
+              <a:lstStyle/>
+              <a:p>
+                <a:pPr algn="r"/>
+                <a:r>
+                  <a:rPr lang="en-US" sz="1000" dirty="0"/>
+                  <a:t>PROCESSING</a:t>
+                </a:r>
+              </a:p>
+            </p:txBody>
+          </p:sp>
+          <p:sp>
+            <p:nvSpPr>
+              <p:cNvPr id="82" name="Rectangle 81">
+                <a:extLst>
+                  <a:ext uri="{FF2B5EF4-FFF2-40B4-BE49-F238E27FC236}">
+                    <a16:creationId xmlns:a16="http://schemas.microsoft.com/office/drawing/2014/main" id="{29AA7592-A124-18AB-172D-9F25753BE77B}"/>
+                  </a:ext>
+                </a:extLst>
+              </p:cNvPr>
+              <p:cNvSpPr/>
+              <p:nvPr/>
+            </p:nvSpPr>
+            <p:spPr>
+              <a:xfrm>
+                <a:off x="3046504" y="6328045"/>
+                <a:ext cx="1119117" cy="718614"/>
+              </a:xfrm>
+              <a:prstGeom prst="rect">
+                <a:avLst/>
+              </a:prstGeom>
+            </p:spPr>
+            <p:style>
+              <a:lnRef idx="2">
+                <a:schemeClr val="accent1">
+                  <a:shade val="15000"/>
+                </a:schemeClr>
+              </a:lnRef>
+              <a:fillRef idx="1">
+                <a:schemeClr val="accent1"/>
+              </a:fillRef>
+              <a:effectRef idx="0">
+                <a:schemeClr val="accent1"/>
+              </a:effectRef>
+              <a:fontRef idx="minor">
+                <a:schemeClr val="lt1"/>
+              </a:fontRef>
+            </p:style>
+            <p:txBody>
+              <a:bodyPr rtlCol="0" anchor="b"/>
+              <a:lstStyle/>
+              <a:p>
+                <a:pPr algn="r"/>
+                <a:r>
+                  <a:rPr lang="en-US" sz="1000" dirty="0"/>
+                  <a:t>OUTPUTS</a:t>
+                </a:r>
+              </a:p>
+            </p:txBody>
+          </p:sp>
+          <p:sp>
+            <p:nvSpPr>
+              <p:cNvPr id="83" name="Rectangle 82">
+                <a:extLst>
+                  <a:ext uri="{FF2B5EF4-FFF2-40B4-BE49-F238E27FC236}">
+                    <a16:creationId xmlns:a16="http://schemas.microsoft.com/office/drawing/2014/main" id="{6A3E673E-5EEB-A03B-2BA6-3EDDA6E9646A}"/>
+                  </a:ext>
+                </a:extLst>
+              </p:cNvPr>
+              <p:cNvSpPr/>
+              <p:nvPr/>
+            </p:nvSpPr>
+            <p:spPr>
+              <a:xfrm>
+                <a:off x="2869084" y="6110104"/>
+                <a:ext cx="1119117" cy="718614"/>
+              </a:xfrm>
+              <a:prstGeom prst="rect">
+                <a:avLst/>
+              </a:prstGeom>
+            </p:spPr>
+            <p:style>
+              <a:lnRef idx="2">
+                <a:schemeClr val="accent1">
+                  <a:shade val="15000"/>
+                </a:schemeClr>
+              </a:lnRef>
+              <a:fillRef idx="1">
+                <a:schemeClr val="accent1"/>
+              </a:fillRef>
+              <a:effectRef idx="0">
+                <a:schemeClr val="accent1"/>
+              </a:effectRef>
+              <a:fontRef idx="minor">
+                <a:schemeClr val="lt1"/>
+              </a:fontRef>
+            </p:style>
+            <p:txBody>
+              <a:bodyPr rtlCol="0" anchor="b"/>
+              <a:lstStyle/>
+              <a:p>
+                <a:pPr algn="r"/>
+                <a:r>
+                  <a:rPr lang="en-US" sz="1000" dirty="0"/>
+                  <a:t>INPUTS</a:t>
+                </a:r>
+              </a:p>
+            </p:txBody>
+          </p:sp>
+        </p:grpSp>
+        <p:sp>
+          <p:nvSpPr>
+            <p:cNvPr id="84" name="TextBox 83">
+              <a:extLst>
+                <a:ext uri="{FF2B5EF4-FFF2-40B4-BE49-F238E27FC236}">
+                  <a16:creationId xmlns:a16="http://schemas.microsoft.com/office/drawing/2014/main" id="{2EC50B1E-7891-C93E-B62F-4AF707398648}"/>
+                </a:ext>
+              </a:extLst>
+            </p:cNvPr>
+            <p:cNvSpPr txBox="1"/>
+            <p:nvPr/>
+          </p:nvSpPr>
+          <p:spPr>
+            <a:xfrm>
+              <a:off x="8653614" y="4035378"/>
+              <a:ext cx="1251625" cy="464614"/>
+            </a:xfrm>
+            <a:prstGeom prst="rect">
+              <a:avLst/>
+            </a:prstGeom>
+            <a:noFill/>
+          </p:spPr>
+          <p:txBody>
+            <a:bodyPr wrap="none" rtlCol="0">
+              <a:spAutoFit/>
+            </a:bodyPr>
+            <a:lstStyle/>
+            <a:p>
+              <a:r>
+                <a:rPr lang="en-US" dirty="0"/>
+                <a:t>GARAGE</a:t>
+              </a:r>
+            </a:p>
+          </p:txBody>
+        </p:sp>
+        <p:sp>
+          <p:nvSpPr>
+            <p:cNvPr id="102" name="TextBox 101">
+              <a:extLst>
+                <a:ext uri="{FF2B5EF4-FFF2-40B4-BE49-F238E27FC236}">
+                  <a16:creationId xmlns:a16="http://schemas.microsoft.com/office/drawing/2014/main" id="{43E46888-5A55-AAFB-4D70-19B12661680D}"/>
+                </a:ext>
+              </a:extLst>
+            </p:cNvPr>
+            <p:cNvSpPr txBox="1"/>
+            <p:nvPr/>
+          </p:nvSpPr>
+          <p:spPr>
+            <a:xfrm>
+              <a:off x="4397232" y="2640044"/>
+              <a:ext cx="2057615" cy="464614"/>
+            </a:xfrm>
+            <a:prstGeom prst="rect">
+              <a:avLst/>
+            </a:prstGeom>
+            <a:solidFill>
+              <a:schemeClr val="bg1"/>
+            </a:solidFill>
+            <a:ln>
+              <a:solidFill>
+                <a:schemeClr val="accent2"/>
+              </a:solidFill>
+            </a:ln>
+          </p:spPr>
+          <p:txBody>
+            <a:bodyPr wrap="none" rtlCol="0">
+              <a:spAutoFit/>
+            </a:bodyPr>
+            <a:lstStyle/>
+            <a:p>
+              <a:r>
+                <a:rPr lang="en-US" dirty="0"/>
+                <a:t>LOW SECURITY</a:t>
+              </a:r>
+            </a:p>
+          </p:txBody>
+        </p:sp>
         <p:sp>
           <p:nvSpPr>
             <p:cNvPr id="114" name="Rectangle 113">
@@ -6380,12 +6009,17 @@
           </p:nvSpPr>
           <p:spPr>
             <a:xfrm>
-              <a:off x="794270" y="4564586"/>
+              <a:off x="568540" y="6701895"/>
               <a:ext cx="1810450" cy="2585536"/>
             </a:xfrm>
             <a:prstGeom prst="rect">
               <a:avLst/>
             </a:prstGeom>
+            <a:ln>
+              <a:solidFill>
+                <a:schemeClr val="accent2"/>
+              </a:solidFill>
+            </a:ln>
           </p:spPr>
           <p:style>
             <a:lnRef idx="2">
@@ -6424,7 +6058,7 @@
           </p:nvGrpSpPr>
           <p:grpSpPr>
             <a:xfrm>
-              <a:off x="957397" y="5056573"/>
+              <a:off x="731667" y="7193882"/>
               <a:ext cx="1484196" cy="1956589"/>
               <a:chOff x="2869084" y="5308011"/>
               <a:chExt cx="1484196" cy="1956589"/>
@@ -6641,7 +6275,7 @@
           </p:nvSpPr>
           <p:spPr>
             <a:xfrm>
-              <a:off x="979916" y="4564586"/>
+              <a:off x="754186" y="6701895"/>
               <a:ext cx="958019" cy="464614"/>
             </a:xfrm>
             <a:prstGeom prst="rect">
@@ -6662,27 +6296,6 @@
             </a:p>
           </p:txBody>
         </p:sp>
-      </p:grpSp>
-      <p:grpSp>
-        <p:nvGrpSpPr>
-          <p:cNvPr id="121" name="Group 120">
-            <a:extLst>
-              <a:ext uri="{FF2B5EF4-FFF2-40B4-BE49-F238E27FC236}">
-                <a16:creationId xmlns:a16="http://schemas.microsoft.com/office/drawing/2014/main" id="{3E5FCAB4-F278-D973-7A31-BDF1F9C67E9A}"/>
-              </a:ext>
-            </a:extLst>
-          </p:cNvPr>
-          <p:cNvGrpSpPr/>
-          <p:nvPr/>
-        </p:nvGrpSpPr>
-        <p:grpSpPr>
-          <a:xfrm>
-            <a:off x="2547237" y="6701895"/>
-            <a:ext cx="1810450" cy="2585536"/>
-            <a:chOff x="794270" y="4564586"/>
-            <a:chExt cx="1810450" cy="2585536"/>
-          </a:xfrm>
-        </p:grpSpPr>
         <p:sp>
           <p:nvSpPr>
             <p:cNvPr id="122" name="Rectangle 121">
@@ -6697,12 +6310,17 @@
           </p:nvSpPr>
           <p:spPr>
             <a:xfrm>
-              <a:off x="794270" y="4564586"/>
+              <a:off x="2547237" y="6701895"/>
               <a:ext cx="1810450" cy="2585536"/>
             </a:xfrm>
             <a:prstGeom prst="rect">
               <a:avLst/>
             </a:prstGeom>
+            <a:ln>
+              <a:solidFill>
+                <a:schemeClr val="accent2"/>
+              </a:solidFill>
+            </a:ln>
           </p:spPr>
           <p:style>
             <a:lnRef idx="2">
@@ -6741,7 +6359,7 @@
           </p:nvGrpSpPr>
           <p:grpSpPr>
             <a:xfrm>
-              <a:off x="957397" y="5056573"/>
+              <a:off x="2710364" y="7193882"/>
               <a:ext cx="1484196" cy="1956589"/>
               <a:chOff x="2869084" y="5308011"/>
               <a:chExt cx="1484196" cy="1956589"/>
@@ -6958,8 +6576,8 @@
           </p:nvSpPr>
           <p:spPr>
             <a:xfrm>
-              <a:off x="979916" y="4564586"/>
-              <a:ext cx="1462965" cy="464614"/>
+              <a:off x="2732883" y="6701895"/>
+              <a:ext cx="1146532" cy="464614"/>
             </a:xfrm>
             <a:prstGeom prst="rect">
               <a:avLst/>
@@ -6974,32 +6592,11 @@
             <a:p>
               <a:r>
                 <a:rPr lang="en-US" dirty="0"/>
-                <a:t>PLANTERS</a:t>
+                <a:t>PLANTS</a:t>
               </a:r>
             </a:p>
           </p:txBody>
         </p:sp>
-      </p:grpSp>
-      <p:grpSp>
-        <p:nvGrpSpPr>
-          <p:cNvPr id="129" name="Group 128">
-            <a:extLst>
-              <a:ext uri="{FF2B5EF4-FFF2-40B4-BE49-F238E27FC236}">
-                <a16:creationId xmlns:a16="http://schemas.microsoft.com/office/drawing/2014/main" id="{84BF1A8F-41DA-A991-75D3-63BD876912BE}"/>
-              </a:ext>
-            </a:extLst>
-          </p:cNvPr>
-          <p:cNvGrpSpPr/>
-          <p:nvPr/>
-        </p:nvGrpSpPr>
-        <p:grpSpPr>
-          <a:xfrm>
-            <a:off x="4525934" y="6701895"/>
-            <a:ext cx="1810450" cy="2585536"/>
-            <a:chOff x="794270" y="4564586"/>
-            <a:chExt cx="1810450" cy="2585536"/>
-          </a:xfrm>
-        </p:grpSpPr>
         <p:sp>
           <p:nvSpPr>
             <p:cNvPr id="130" name="Rectangle 129">
@@ -7014,12 +6611,17 @@
           </p:nvSpPr>
           <p:spPr>
             <a:xfrm>
-              <a:off x="794270" y="4564586"/>
+              <a:off x="4525934" y="6701895"/>
               <a:ext cx="1810450" cy="2585536"/>
             </a:xfrm>
             <a:prstGeom prst="rect">
               <a:avLst/>
             </a:prstGeom>
+            <a:ln>
+              <a:solidFill>
+                <a:schemeClr val="accent2"/>
+              </a:solidFill>
+            </a:ln>
           </p:spPr>
           <p:style>
             <a:lnRef idx="2">
@@ -7058,7 +6660,7 @@
           </p:nvGrpSpPr>
           <p:grpSpPr>
             <a:xfrm>
-              <a:off x="957397" y="5056573"/>
+              <a:off x="4689061" y="7193882"/>
               <a:ext cx="1484196" cy="1956589"/>
               <a:chOff x="2869084" y="5308011"/>
               <a:chExt cx="1484196" cy="1956589"/>
@@ -7275,7 +6877,7 @@
           </p:nvSpPr>
           <p:spPr>
             <a:xfrm>
-              <a:off x="979916" y="4564586"/>
+              <a:off x="4711580" y="6701895"/>
               <a:ext cx="941283" cy="464614"/>
             </a:xfrm>
             <a:prstGeom prst="rect">
@@ -7296,27 +6898,6 @@
             </a:p>
           </p:txBody>
         </p:sp>
-      </p:grpSp>
-      <p:grpSp>
-        <p:nvGrpSpPr>
-          <p:cNvPr id="137" name="Group 136">
-            <a:extLst>
-              <a:ext uri="{FF2B5EF4-FFF2-40B4-BE49-F238E27FC236}">
-                <a16:creationId xmlns:a16="http://schemas.microsoft.com/office/drawing/2014/main" id="{487C62CC-5340-F52A-4769-BEA205A059DB}"/>
-              </a:ext>
-            </a:extLst>
-          </p:cNvPr>
-          <p:cNvGrpSpPr/>
-          <p:nvPr/>
-        </p:nvGrpSpPr>
-        <p:grpSpPr>
-          <a:xfrm>
-            <a:off x="6504631" y="6701895"/>
-            <a:ext cx="1810450" cy="2585536"/>
-            <a:chOff x="794270" y="4564586"/>
-            <a:chExt cx="1810450" cy="2585536"/>
-          </a:xfrm>
-        </p:grpSpPr>
         <p:sp>
           <p:nvSpPr>
             <p:cNvPr id="138" name="Rectangle 137">
@@ -7331,12 +6912,17 @@
           </p:nvSpPr>
           <p:spPr>
             <a:xfrm>
-              <a:off x="794270" y="4564586"/>
+              <a:off x="6504631" y="6701895"/>
               <a:ext cx="1810450" cy="2585536"/>
             </a:xfrm>
             <a:prstGeom prst="rect">
               <a:avLst/>
             </a:prstGeom>
+            <a:ln>
+              <a:solidFill>
+                <a:schemeClr val="accent2"/>
+              </a:solidFill>
+            </a:ln>
           </p:spPr>
           <p:style>
             <a:lnRef idx="2">
@@ -7375,7 +6961,7 @@
           </p:nvGrpSpPr>
           <p:grpSpPr>
             <a:xfrm>
-              <a:off x="957397" y="5056573"/>
+              <a:off x="6667758" y="7193882"/>
               <a:ext cx="1484196" cy="1956589"/>
               <a:chOff x="2869084" y="5308011"/>
               <a:chExt cx="1484196" cy="1956589"/>
@@ -7592,7 +7178,7 @@
           </p:nvSpPr>
           <p:spPr>
             <a:xfrm>
-              <a:off x="979916" y="4564586"/>
+              <a:off x="6690277" y="6701895"/>
               <a:ext cx="787460" cy="464614"/>
             </a:xfrm>
             <a:prstGeom prst="rect">
@@ -7613,27 +7199,6 @@
             </a:p>
           </p:txBody>
         </p:sp>
-      </p:grpSp>
-      <p:grpSp>
-        <p:nvGrpSpPr>
-          <p:cNvPr id="145" name="Group 144">
-            <a:extLst>
-              <a:ext uri="{FF2B5EF4-FFF2-40B4-BE49-F238E27FC236}">
-                <a16:creationId xmlns:a16="http://schemas.microsoft.com/office/drawing/2014/main" id="{33EDC74D-1E00-5994-748E-2714062822B3}"/>
-              </a:ext>
-            </a:extLst>
-          </p:cNvPr>
-          <p:cNvGrpSpPr/>
-          <p:nvPr/>
-        </p:nvGrpSpPr>
-        <p:grpSpPr>
-          <a:xfrm>
-            <a:off x="8483328" y="6701895"/>
-            <a:ext cx="1810450" cy="2585536"/>
-            <a:chOff x="794270" y="4564586"/>
-            <a:chExt cx="1810450" cy="2585536"/>
-          </a:xfrm>
-        </p:grpSpPr>
         <p:sp>
           <p:nvSpPr>
             <p:cNvPr id="146" name="Rectangle 145">
@@ -7648,12 +7213,17 @@
           </p:nvSpPr>
           <p:spPr>
             <a:xfrm>
-              <a:off x="794270" y="4564586"/>
+              <a:off x="8483328" y="6701895"/>
               <a:ext cx="1810450" cy="2585536"/>
             </a:xfrm>
             <a:prstGeom prst="rect">
               <a:avLst/>
             </a:prstGeom>
+            <a:ln>
+              <a:solidFill>
+                <a:schemeClr val="accent2"/>
+              </a:solidFill>
+            </a:ln>
           </p:spPr>
           <p:style>
             <a:lnRef idx="2">
@@ -7692,7 +7262,7 @@
           </p:nvGrpSpPr>
           <p:grpSpPr>
             <a:xfrm>
-              <a:off x="957397" y="5056573"/>
+              <a:off x="8646455" y="7193882"/>
               <a:ext cx="1484196" cy="1956589"/>
               <a:chOff x="2869084" y="5308011"/>
               <a:chExt cx="1484196" cy="1956589"/>
@@ -7909,7 +7479,7 @@
           </p:nvSpPr>
           <p:spPr>
             <a:xfrm>
-              <a:off x="979916" y="4564586"/>
+              <a:off x="8668974" y="6701895"/>
               <a:ext cx="399468" cy="464614"/>
             </a:xfrm>
             <a:prstGeom prst="rect">
@@ -7930,6 +7500,397 @@
             </a:p>
           </p:txBody>
         </p:sp>
+      </p:grpSp>
+      <p:grpSp>
+        <p:nvGrpSpPr>
+          <p:cNvPr id="17" name="Group 16">
+            <a:extLst>
+              <a:ext uri="{FF2B5EF4-FFF2-40B4-BE49-F238E27FC236}">
+                <a16:creationId xmlns:a16="http://schemas.microsoft.com/office/drawing/2014/main" id="{FD4EC522-D9AF-6852-C5A6-0B6D989B9B15}"/>
+              </a:ext>
+            </a:extLst>
+          </p:cNvPr>
+          <p:cNvGrpSpPr/>
+          <p:nvPr/>
+        </p:nvGrpSpPr>
+        <p:grpSpPr>
+          <a:xfrm>
+            <a:off x="393540" y="703018"/>
+            <a:ext cx="14777838" cy="1758694"/>
+            <a:chOff x="393540" y="703018"/>
+            <a:chExt cx="14777838" cy="1758694"/>
+          </a:xfrm>
+        </p:grpSpPr>
+        <p:sp>
+          <p:nvSpPr>
+            <p:cNvPr id="52" name="Rectangle 51">
+              <a:extLst>
+                <a:ext uri="{FF2B5EF4-FFF2-40B4-BE49-F238E27FC236}">
+                  <a16:creationId xmlns:a16="http://schemas.microsoft.com/office/drawing/2014/main" id="{24BDC051-0BD8-BF6F-0E18-9DFF955313F0}"/>
+                </a:ext>
+              </a:extLst>
+            </p:cNvPr>
+            <p:cNvSpPr/>
+            <p:nvPr/>
+          </p:nvSpPr>
+          <p:spPr>
+            <a:xfrm>
+              <a:off x="393540" y="936778"/>
+              <a:ext cx="14777838" cy="1524934"/>
+            </a:xfrm>
+            <a:prstGeom prst="rect">
+              <a:avLst/>
+            </a:prstGeom>
+            <a:solidFill>
+              <a:schemeClr val="accent5">
+                <a:lumMod val="20000"/>
+                <a:lumOff val="80000"/>
+              </a:schemeClr>
+            </a:solidFill>
+            <a:ln>
+              <a:solidFill>
+                <a:schemeClr val="accent1"/>
+              </a:solidFill>
+            </a:ln>
+          </p:spPr>
+          <p:style>
+            <a:lnRef idx="2">
+              <a:schemeClr val="accent1"/>
+            </a:lnRef>
+            <a:fillRef idx="1">
+              <a:schemeClr val="lt1"/>
+            </a:fillRef>
+            <a:effectRef idx="0">
+              <a:schemeClr val="accent1"/>
+            </a:effectRef>
+            <a:fontRef idx="minor">
+              <a:schemeClr val="dk1"/>
+            </a:fontRef>
+          </p:style>
+          <p:txBody>
+            <a:bodyPr rtlCol="0" anchor="t"/>
+            <a:lstStyle/>
+            <a:p>
+              <a:pPr algn="ctr"/>
+              <a:endParaRPr lang="en-US" dirty="0"/>
+            </a:p>
+          </p:txBody>
+        </p:sp>
+        <p:sp>
+          <p:nvSpPr>
+            <p:cNvPr id="53" name="TextBox 52">
+              <a:extLst>
+                <a:ext uri="{FF2B5EF4-FFF2-40B4-BE49-F238E27FC236}">
+                  <a16:creationId xmlns:a16="http://schemas.microsoft.com/office/drawing/2014/main" id="{B404AB1F-23E9-5E19-1260-3F562565676F}"/>
+                </a:ext>
+              </a:extLst>
+            </p:cNvPr>
+            <p:cNvSpPr txBox="1"/>
+            <p:nvPr/>
+          </p:nvSpPr>
+          <p:spPr>
+            <a:xfrm>
+              <a:off x="5988627" y="703018"/>
+              <a:ext cx="3958135" cy="464614"/>
+            </a:xfrm>
+            <a:prstGeom prst="rect">
+              <a:avLst/>
+            </a:prstGeom>
+          </p:spPr>
+          <p:style>
+            <a:lnRef idx="2">
+              <a:schemeClr val="accent1"/>
+            </a:lnRef>
+            <a:fillRef idx="1">
+              <a:schemeClr val="lt1"/>
+            </a:fillRef>
+            <a:effectRef idx="0">
+              <a:schemeClr val="accent1"/>
+            </a:effectRef>
+            <a:fontRef idx="minor">
+              <a:schemeClr val="dk1"/>
+            </a:fontRef>
+          </p:style>
+          <p:txBody>
+            <a:bodyPr wrap="none" rtlCol="0">
+              <a:spAutoFit/>
+            </a:bodyPr>
+            <a:lstStyle/>
+            <a:p>
+              <a:pPr algn="ctr"/>
+              <a:r>
+                <a:rPr lang="en-US" b="1" dirty="0"/>
+                <a:t>TRUSTED INTERFACE DEVICES</a:t>
+              </a:r>
+            </a:p>
+          </p:txBody>
+        </p:sp>
+        <p:grpSp>
+          <p:nvGrpSpPr>
+            <p:cNvPr id="6" name="Group 5">
+              <a:extLst>
+                <a:ext uri="{FF2B5EF4-FFF2-40B4-BE49-F238E27FC236}">
+                  <a16:creationId xmlns:a16="http://schemas.microsoft.com/office/drawing/2014/main" id="{01BA8D65-72FC-390E-449B-90658F7CE1AA}"/>
+                </a:ext>
+              </a:extLst>
+            </p:cNvPr>
+            <p:cNvGrpSpPr/>
+            <p:nvPr/>
+          </p:nvGrpSpPr>
+          <p:grpSpPr>
+            <a:xfrm>
+              <a:off x="1090922" y="1283172"/>
+              <a:ext cx="13383075" cy="832147"/>
+              <a:chOff x="1035209" y="1319685"/>
+              <a:chExt cx="13383075" cy="832147"/>
+            </a:xfrm>
+          </p:grpSpPr>
+          <p:sp>
+            <p:nvSpPr>
+              <p:cNvPr id="49" name="Rectangle: Rounded Corners 48">
+                <a:extLst>
+                  <a:ext uri="{FF2B5EF4-FFF2-40B4-BE49-F238E27FC236}">
+                    <a16:creationId xmlns:a16="http://schemas.microsoft.com/office/drawing/2014/main" id="{2233FE44-D5AC-F3C7-A85D-5E5BA638C40E}"/>
+                  </a:ext>
+                </a:extLst>
+              </p:cNvPr>
+              <p:cNvSpPr/>
+              <p:nvPr/>
+            </p:nvSpPr>
+            <p:spPr>
+              <a:xfrm>
+                <a:off x="1035209" y="1319685"/>
+                <a:ext cx="2332623" cy="832147"/>
+              </a:xfrm>
+              <a:prstGeom prst="roundRect">
+                <a:avLst/>
+              </a:prstGeom>
+            </p:spPr>
+            <p:style>
+              <a:lnRef idx="2">
+                <a:schemeClr val="accent1">
+                  <a:shade val="15000"/>
+                </a:schemeClr>
+              </a:lnRef>
+              <a:fillRef idx="1">
+                <a:schemeClr val="accent1"/>
+              </a:fillRef>
+              <a:effectRef idx="0">
+                <a:schemeClr val="accent1"/>
+              </a:effectRef>
+              <a:fontRef idx="minor">
+                <a:schemeClr val="lt1"/>
+              </a:fontRef>
+            </p:style>
+            <p:txBody>
+              <a:bodyPr rtlCol="0" anchor="ctr"/>
+              <a:lstStyle/>
+              <a:p>
+                <a:pPr algn="ctr"/>
+                <a:r>
+                  <a:rPr lang="en-US" sz="2000" dirty="0"/>
+                  <a:t>Smartphone</a:t>
+                </a:r>
+              </a:p>
+            </p:txBody>
+          </p:sp>
+          <p:sp>
+            <p:nvSpPr>
+              <p:cNvPr id="50" name="Rectangle: Rounded Corners 49">
+                <a:extLst>
+                  <a:ext uri="{FF2B5EF4-FFF2-40B4-BE49-F238E27FC236}">
+                    <a16:creationId xmlns:a16="http://schemas.microsoft.com/office/drawing/2014/main" id="{710A9316-0780-B19A-922A-9EAE4E8EB463}"/>
+                  </a:ext>
+                </a:extLst>
+              </p:cNvPr>
+              <p:cNvSpPr/>
+              <p:nvPr/>
+            </p:nvSpPr>
+            <p:spPr>
+              <a:xfrm>
+                <a:off x="4139757" y="1319685"/>
+                <a:ext cx="2332623" cy="832147"/>
+              </a:xfrm>
+              <a:prstGeom prst="roundRect">
+                <a:avLst/>
+              </a:prstGeom>
+            </p:spPr>
+            <p:style>
+              <a:lnRef idx="2">
+                <a:schemeClr val="accent1">
+                  <a:shade val="15000"/>
+                </a:schemeClr>
+              </a:lnRef>
+              <a:fillRef idx="1">
+                <a:schemeClr val="accent1"/>
+              </a:fillRef>
+              <a:effectRef idx="0">
+                <a:schemeClr val="accent1"/>
+              </a:effectRef>
+              <a:fontRef idx="minor">
+                <a:schemeClr val="lt1"/>
+              </a:fontRef>
+            </p:style>
+            <p:txBody>
+              <a:bodyPr rtlCol="0" anchor="ctr"/>
+              <a:lstStyle/>
+              <a:p>
+                <a:pPr algn="ctr"/>
+                <a:r>
+                  <a:rPr lang="en-US" sz="2000" dirty="0"/>
+                  <a:t>Local Computer</a:t>
+                </a:r>
+              </a:p>
+            </p:txBody>
+          </p:sp>
+          <p:sp>
+            <p:nvSpPr>
+              <p:cNvPr id="109" name="Rectangle: Rounded Corners 108">
+                <a:extLst>
+                  <a:ext uri="{FF2B5EF4-FFF2-40B4-BE49-F238E27FC236}">
+                    <a16:creationId xmlns:a16="http://schemas.microsoft.com/office/drawing/2014/main" id="{B86355B9-3DE2-36B9-AA22-8A5D607A8694}"/>
+                  </a:ext>
+                </a:extLst>
+              </p:cNvPr>
+              <p:cNvSpPr/>
+              <p:nvPr/>
+            </p:nvSpPr>
+            <p:spPr>
+              <a:xfrm>
+                <a:off x="7244305" y="1319685"/>
+                <a:ext cx="2332623" cy="832147"/>
+              </a:xfrm>
+              <a:prstGeom prst="roundRect">
+                <a:avLst/>
+              </a:prstGeom>
+            </p:spPr>
+            <p:style>
+              <a:lnRef idx="2">
+                <a:schemeClr val="accent1">
+                  <a:shade val="15000"/>
+                </a:schemeClr>
+              </a:lnRef>
+              <a:fillRef idx="1">
+                <a:schemeClr val="accent1"/>
+              </a:fillRef>
+              <a:effectRef idx="0">
+                <a:schemeClr val="accent1"/>
+              </a:effectRef>
+              <a:fontRef idx="minor">
+                <a:schemeClr val="lt1"/>
+              </a:fontRef>
+            </p:style>
+            <p:txBody>
+              <a:bodyPr rtlCol="0" anchor="ctr"/>
+              <a:lstStyle/>
+              <a:p>
+                <a:pPr algn="ctr"/>
+                <a:r>
+                  <a:rPr lang="en-US" sz="2000" dirty="0"/>
+                  <a:t>Installed Control</a:t>
+                </a:r>
+              </a:p>
+            </p:txBody>
+          </p:sp>
+          <p:sp>
+            <p:nvSpPr>
+              <p:cNvPr id="110" name="Rectangle: Rounded Corners 109">
+                <a:extLst>
+                  <a:ext uri="{FF2B5EF4-FFF2-40B4-BE49-F238E27FC236}">
+                    <a16:creationId xmlns:a16="http://schemas.microsoft.com/office/drawing/2014/main" id="{E61655AF-0256-9085-1CB1-E74814795E22}"/>
+                  </a:ext>
+                </a:extLst>
+              </p:cNvPr>
+              <p:cNvSpPr/>
+              <p:nvPr/>
+            </p:nvSpPr>
+            <p:spPr>
+              <a:xfrm>
+                <a:off x="13453399" y="1319685"/>
+                <a:ext cx="964885" cy="832147"/>
+              </a:xfrm>
+              <a:prstGeom prst="roundRect">
+                <a:avLst/>
+              </a:prstGeom>
+            </p:spPr>
+            <p:style>
+              <a:lnRef idx="2">
+                <a:schemeClr val="accent1">
+                  <a:shade val="15000"/>
+                </a:schemeClr>
+              </a:lnRef>
+              <a:fillRef idx="1">
+                <a:schemeClr val="accent1"/>
+              </a:fillRef>
+              <a:effectRef idx="0">
+                <a:schemeClr val="accent1"/>
+              </a:effectRef>
+              <a:fontRef idx="minor">
+                <a:schemeClr val="lt1"/>
+              </a:fontRef>
+            </p:style>
+            <p:txBody>
+              <a:bodyPr rtlCol="0" anchor="ctr"/>
+              <a:lstStyle/>
+              <a:p>
+                <a:pPr algn="ctr"/>
+                <a:r>
+                  <a:rPr lang="en-US" sz="2000" dirty="0"/>
+                  <a:t>…</a:t>
+                </a:r>
+              </a:p>
+            </p:txBody>
+          </p:sp>
+          <p:sp>
+            <p:nvSpPr>
+              <p:cNvPr id="3" name="Rectangle: Rounded Corners 2">
+                <a:extLst>
+                  <a:ext uri="{FF2B5EF4-FFF2-40B4-BE49-F238E27FC236}">
+                    <a16:creationId xmlns:a16="http://schemas.microsoft.com/office/drawing/2014/main" id="{FA2D590F-46F3-27F9-9F44-CE6E9D127AA9}"/>
+                  </a:ext>
+                </a:extLst>
+              </p:cNvPr>
+              <p:cNvSpPr/>
+              <p:nvPr/>
+            </p:nvSpPr>
+            <p:spPr>
+              <a:xfrm>
+                <a:off x="10348853" y="1319685"/>
+                <a:ext cx="2332622" cy="832147"/>
+              </a:xfrm>
+              <a:prstGeom prst="roundRect">
+                <a:avLst/>
+              </a:prstGeom>
+            </p:spPr>
+            <p:style>
+              <a:lnRef idx="2">
+                <a:schemeClr val="accent1">
+                  <a:shade val="15000"/>
+                </a:schemeClr>
+              </a:lnRef>
+              <a:fillRef idx="1">
+                <a:schemeClr val="accent1"/>
+              </a:fillRef>
+              <a:effectRef idx="0">
+                <a:schemeClr val="accent1"/>
+              </a:effectRef>
+              <a:fontRef idx="minor">
+                <a:schemeClr val="lt1"/>
+              </a:fontRef>
+            </p:style>
+            <p:txBody>
+              <a:bodyPr rtlCol="0" anchor="ctr"/>
+              <a:lstStyle/>
+              <a:p>
+                <a:pPr algn="ctr"/>
+                <a:r>
+                  <a:rPr lang="en-US" sz="2000" dirty="0"/>
+                  <a:t>Remote Control</a:t>
+                </a:r>
+              </a:p>
+            </p:txBody>
+          </p:sp>
+        </p:grpSp>
       </p:grpSp>
     </p:spTree>
     <p:extLst>
